--- a/Presentacion.pptx
+++ b/Presentacion.pptx
@@ -38,12 +38,12 @@
     <p:sldId id="292" r:id="rId29"/>
     <p:sldId id="267" r:id="rId30"/>
     <p:sldId id="306" r:id="rId31"/>
-    <p:sldId id="284" r:id="rId32"/>
-    <p:sldId id="268" r:id="rId33"/>
-    <p:sldId id="278" r:id="rId34"/>
-    <p:sldId id="293" r:id="rId35"/>
-    <p:sldId id="282" r:id="rId36"/>
-    <p:sldId id="281" r:id="rId37"/>
+    <p:sldId id="307" r:id="rId32"/>
+    <p:sldId id="293" r:id="rId33"/>
+    <p:sldId id="282" r:id="rId34"/>
+    <p:sldId id="281" r:id="rId35"/>
+    <p:sldId id="268" r:id="rId36"/>
+    <p:sldId id="278" r:id="rId37"/>
     <p:sldId id="262" r:id="rId38"/>
     <p:sldId id="257" r:id="rId39"/>
     <p:sldId id="256" r:id="rId40"/>
@@ -165,7 +165,7 @@
   <pc:docChgLst>
     <pc:chgData name="martin quezada" userId="fb22c8dae8141d71" providerId="LiveId" clId="{89D7F22E-45DA-4ECE-9686-C10738FEE380}"/>
     <pc:docChg chg="undo custSel addSld delSld modSld sldOrd">
-      <pc:chgData name="martin quezada" userId="fb22c8dae8141d71" providerId="LiveId" clId="{89D7F22E-45DA-4ECE-9686-C10738FEE380}" dt="2021-02-17T21:31:46.374" v="10631" actId="6549"/>
+      <pc:chgData name="martin quezada" userId="fb22c8dae8141d71" providerId="LiveId" clId="{89D7F22E-45DA-4ECE-9686-C10738FEE380}" dt="2021-02-18T00:23:36.932" v="12342" actId="5793"/>
       <pc:docMkLst>
         <pc:docMk/>
       </pc:docMkLst>
@@ -611,8 +611,8 @@
           </ac:picMkLst>
         </pc:picChg>
       </pc:sldChg>
-      <pc:sldChg chg="addSp modSp">
-        <pc:chgData name="martin quezada" userId="fb22c8dae8141d71" providerId="LiveId" clId="{89D7F22E-45DA-4ECE-9686-C10738FEE380}" dt="2021-02-16T17:42:21.266" v="28"/>
+      <pc:sldChg chg="addSp modSp ord">
+        <pc:chgData name="martin quezada" userId="fb22c8dae8141d71" providerId="LiveId" clId="{89D7F22E-45DA-4ECE-9686-C10738FEE380}" dt="2021-02-18T00:21:12.828" v="12209"/>
         <pc:sldMkLst>
           <pc:docMk/>
           <pc:sldMk cId="1141972493" sldId="268"/>
@@ -708,8 +708,8 @@
           </ac:picMkLst>
         </pc:picChg>
       </pc:sldChg>
-      <pc:sldChg chg="addSp modSp">
-        <pc:chgData name="martin quezada" userId="fb22c8dae8141d71" providerId="LiveId" clId="{89D7F22E-45DA-4ECE-9686-C10738FEE380}" dt="2021-02-16T17:42:25.528" v="29"/>
+      <pc:sldChg chg="addSp modSp ord">
+        <pc:chgData name="martin quezada" userId="fb22c8dae8141d71" providerId="LiveId" clId="{89D7F22E-45DA-4ECE-9686-C10738FEE380}" dt="2021-02-18T00:21:12.828" v="12209"/>
         <pc:sldMkLst>
           <pc:docMk/>
           <pc:sldMk cId="1277169090" sldId="278"/>
@@ -783,8 +783,8 @@
           </ac:picMkLst>
         </pc:picChg>
       </pc:sldChg>
-      <pc:sldChg chg="addSp modSp">
-        <pc:chgData name="martin quezada" userId="fb22c8dae8141d71" providerId="LiveId" clId="{89D7F22E-45DA-4ECE-9686-C10738FEE380}" dt="2021-02-16T17:42:16.218" v="27"/>
+      <pc:sldChg chg="addSp modSp del">
+        <pc:chgData name="martin quezada" userId="fb22c8dae8141d71" providerId="LiveId" clId="{89D7F22E-45DA-4ECE-9686-C10738FEE380}" dt="2021-02-18T00:20:21.670" v="12167" actId="47"/>
         <pc:sldMkLst>
           <pc:docMk/>
           <pc:sldMk cId="3269840278" sldId="284"/>
@@ -812,12 +812,20 @@
           <pc:sldMk cId="1267254282" sldId="287"/>
         </pc:sldMkLst>
       </pc:sldChg>
-      <pc:sldChg chg="addSp modSp">
-        <pc:chgData name="martin quezada" userId="fb22c8dae8141d71" providerId="LiveId" clId="{89D7F22E-45DA-4ECE-9686-C10738FEE380}" dt="2021-02-16T17:40:40.825" v="8"/>
+      <pc:sldChg chg="addSp modSp mod">
+        <pc:chgData name="martin quezada" userId="fb22c8dae8141d71" providerId="LiveId" clId="{89D7F22E-45DA-4ECE-9686-C10738FEE380}" dt="2021-02-18T00:23:36.932" v="12342" actId="5793"/>
         <pc:sldMkLst>
           <pc:docMk/>
           <pc:sldMk cId="3932720836" sldId="288"/>
         </pc:sldMkLst>
+        <pc:spChg chg="mod">
+          <ac:chgData name="martin quezada" userId="fb22c8dae8141d71" providerId="LiveId" clId="{89D7F22E-45DA-4ECE-9686-C10738FEE380}" dt="2021-02-18T00:23:36.932" v="12342" actId="5793"/>
+          <ac:spMkLst>
+            <pc:docMk/>
+            <pc:sldMk cId="3932720836" sldId="288"/>
+            <ac:spMk id="5" creationId="{EBD56839-CB6F-4424-9588-0C4735A1DCE3}"/>
+          </ac:spMkLst>
+        </pc:spChg>
         <pc:picChg chg="add mod">
           <ac:chgData name="martin quezada" userId="fb22c8dae8141d71" providerId="LiveId" clId="{89D7F22E-45DA-4ECE-9686-C10738FEE380}" dt="2021-02-16T17:40:40.825" v="8"/>
           <ac:picMkLst>
@@ -1627,7 +1635,7 @@
         </pc:spChg>
       </pc:sldChg>
       <pc:sldChg chg="addSp delSp modSp new mod">
-        <pc:chgData name="martin quezada" userId="fb22c8dae8141d71" providerId="LiveId" clId="{89D7F22E-45DA-4ECE-9686-C10738FEE380}" dt="2021-02-17T21:31:46.374" v="10631" actId="6549"/>
+        <pc:chgData name="martin quezada" userId="fb22c8dae8141d71" providerId="LiveId" clId="{89D7F22E-45DA-4ECE-9686-C10738FEE380}" dt="2021-02-17T21:59:12.912" v="11010" actId="313"/>
         <pc:sldMkLst>
           <pc:docMk/>
           <pc:sldMk cId="2512873425" sldId="306"/>
@@ -1649,7 +1657,7 @@
           </ac:spMkLst>
         </pc:spChg>
         <pc:spChg chg="add mod">
-          <ac:chgData name="martin quezada" userId="fb22c8dae8141d71" providerId="LiveId" clId="{89D7F22E-45DA-4ECE-9686-C10738FEE380}" dt="2021-02-17T21:31:46.374" v="10631" actId="6549"/>
+          <ac:chgData name="martin quezada" userId="fb22c8dae8141d71" providerId="LiveId" clId="{89D7F22E-45DA-4ECE-9686-C10738FEE380}" dt="2021-02-17T21:59:12.912" v="11010" actId="313"/>
           <ac:spMkLst>
             <pc:docMk/>
             <pc:sldMk cId="2512873425" sldId="306"/>
@@ -1662,6 +1670,124 @@
             <pc:docMk/>
             <pc:sldMk cId="2512873425" sldId="306"/>
             <ac:spMk id="6" creationId="{9F19A596-1225-49B2-80B5-8E87CAF70698}"/>
+          </ac:spMkLst>
+        </pc:spChg>
+      </pc:sldChg>
+      <pc:sldChg chg="addSp delSp modSp new mod">
+        <pc:chgData name="martin quezada" userId="fb22c8dae8141d71" providerId="LiveId" clId="{89D7F22E-45DA-4ECE-9686-C10738FEE380}" dt="2021-02-18T00:19:26.399" v="12166" actId="14100"/>
+        <pc:sldMkLst>
+          <pc:docMk/>
+          <pc:sldMk cId="549027182" sldId="307"/>
+        </pc:sldMkLst>
+        <pc:spChg chg="del">
+          <ac:chgData name="martin quezada" userId="fb22c8dae8141d71" providerId="LiveId" clId="{89D7F22E-45DA-4ECE-9686-C10738FEE380}" dt="2021-02-17T21:59:27.472" v="11012" actId="478"/>
+          <ac:spMkLst>
+            <pc:docMk/>
+            <pc:sldMk cId="549027182" sldId="307"/>
+            <ac:spMk id="2" creationId="{E0814756-C8F0-4BAF-B5BE-10769C79BBCE}"/>
+          </ac:spMkLst>
+        </pc:spChg>
+        <pc:spChg chg="del">
+          <ac:chgData name="martin quezada" userId="fb22c8dae8141d71" providerId="LiveId" clId="{89D7F22E-45DA-4ECE-9686-C10738FEE380}" dt="2021-02-17T21:59:29.195" v="11013" actId="478"/>
+          <ac:spMkLst>
+            <pc:docMk/>
+            <pc:sldMk cId="549027182" sldId="307"/>
+            <ac:spMk id="3" creationId="{4B396428-5706-4209-9122-5797F920ED79}"/>
+          </ac:spMkLst>
+        </pc:spChg>
+        <pc:spChg chg="add del mod">
+          <ac:chgData name="martin quezada" userId="fb22c8dae8141d71" providerId="LiveId" clId="{89D7F22E-45DA-4ECE-9686-C10738FEE380}" dt="2021-02-17T23:53:30.746" v="11030"/>
+          <ac:spMkLst>
+            <pc:docMk/>
+            <pc:sldMk cId="549027182" sldId="307"/>
+            <ac:spMk id="3" creationId="{8E8853C9-1535-470D-AA64-8AC71CF7BC5C}"/>
+          </ac:spMkLst>
+        </pc:spChg>
+        <pc:spChg chg="add mod">
+          <ac:chgData name="martin quezada" userId="fb22c8dae8141d71" providerId="LiveId" clId="{89D7F22E-45DA-4ECE-9686-C10738FEE380}" dt="2021-02-17T21:59:34.703" v="11014"/>
+          <ac:spMkLst>
+            <pc:docMk/>
+            <pc:sldMk cId="549027182" sldId="307"/>
+            <ac:spMk id="4" creationId="{1A143E9F-7075-492C-972A-8450057E67FD}"/>
+          </ac:spMkLst>
+        </pc:spChg>
+        <pc:spChg chg="add mod">
+          <ac:chgData name="martin quezada" userId="fb22c8dae8141d71" providerId="LiveId" clId="{89D7F22E-45DA-4ECE-9686-C10738FEE380}" dt="2021-02-18T00:15:15.863" v="12042" actId="20577"/>
+          <ac:spMkLst>
+            <pc:docMk/>
+            <pc:sldMk cId="549027182" sldId="307"/>
+            <ac:spMk id="5" creationId="{015E0089-08C7-4C8D-9C62-AAA8F87CF792}"/>
+          </ac:spMkLst>
+        </pc:spChg>
+        <pc:spChg chg="add del mod">
+          <ac:chgData name="martin quezada" userId="fb22c8dae8141d71" providerId="LiveId" clId="{89D7F22E-45DA-4ECE-9686-C10738FEE380}" dt="2021-02-17T22:00:48.503" v="11016" actId="478"/>
+          <ac:spMkLst>
+            <pc:docMk/>
+            <pc:sldMk cId="549027182" sldId="307"/>
+            <ac:spMk id="5" creationId="{F0DB4D6B-891D-4D38-8827-372C46BDEC05}"/>
+          </ac:spMkLst>
+        </pc:spChg>
+        <pc:spChg chg="add mod">
+          <ac:chgData name="martin quezada" userId="fb22c8dae8141d71" providerId="LiveId" clId="{89D7F22E-45DA-4ECE-9686-C10738FEE380}" dt="2021-02-18T00:19:22.815" v="12165" actId="14100"/>
+          <ac:spMkLst>
+            <pc:docMk/>
+            <pc:sldMk cId="549027182" sldId="307"/>
+            <ac:spMk id="6" creationId="{16674792-9554-4FC1-B735-7D9EB29FAF8F}"/>
+          </ac:spMkLst>
+        </pc:spChg>
+        <pc:spChg chg="add mod">
+          <ac:chgData name="martin quezada" userId="fb22c8dae8141d71" providerId="LiveId" clId="{89D7F22E-45DA-4ECE-9686-C10738FEE380}" dt="2021-02-18T00:15:23.304" v="12043" actId="1076"/>
+          <ac:spMkLst>
+            <pc:docMk/>
+            <pc:sldMk cId="549027182" sldId="307"/>
+            <ac:spMk id="7" creationId="{4ED6372E-309E-4083-BBBE-65A4E8C305F2}"/>
+          </ac:spMkLst>
+        </pc:spChg>
+        <pc:spChg chg="add mod">
+          <ac:chgData name="martin quezada" userId="fb22c8dae8141d71" providerId="LiveId" clId="{89D7F22E-45DA-4ECE-9686-C10738FEE380}" dt="2021-02-18T00:19:26.399" v="12166" actId="14100"/>
+          <ac:spMkLst>
+            <pc:docMk/>
+            <pc:sldMk cId="549027182" sldId="307"/>
+            <ac:spMk id="8" creationId="{78AEC1AD-447B-4872-8D4F-9CBED6C1C545}"/>
+          </ac:spMkLst>
+        </pc:spChg>
+        <pc:spChg chg="add">
+          <ac:chgData name="martin quezada" userId="fb22c8dae8141d71" providerId="LiveId" clId="{89D7F22E-45DA-4ECE-9686-C10738FEE380}" dt="2021-02-18T00:08:02.368" v="11642"/>
+          <ac:spMkLst>
+            <pc:docMk/>
+            <pc:sldMk cId="549027182" sldId="307"/>
+            <ac:spMk id="9" creationId="{6A11CC55-A4EC-4EB3-A90F-A947E8512FBD}"/>
+          </ac:spMkLst>
+        </pc:spChg>
+        <pc:spChg chg="add mod">
+          <ac:chgData name="martin quezada" userId="fb22c8dae8141d71" providerId="LiveId" clId="{89D7F22E-45DA-4ECE-9686-C10738FEE380}" dt="2021-02-18T00:08:20.008" v="11645" actId="1076"/>
+          <ac:spMkLst>
+            <pc:docMk/>
+            <pc:sldMk cId="549027182" sldId="307"/>
+            <ac:spMk id="10" creationId="{0A174140-F9A5-4491-A8E3-215CBC5F9B17}"/>
+          </ac:spMkLst>
+        </pc:spChg>
+      </pc:sldChg>
+      <pc:sldChg chg="modSp add del mod">
+        <pc:chgData name="martin quezada" userId="fb22c8dae8141d71" providerId="LiveId" clId="{89D7F22E-45DA-4ECE-9686-C10738FEE380}" dt="2021-02-18T00:21:03.999" v="12207" actId="47"/>
+        <pc:sldMkLst>
+          <pc:docMk/>
+          <pc:sldMk cId="2165692886" sldId="308"/>
+        </pc:sldMkLst>
+        <pc:spChg chg="mod">
+          <ac:chgData name="martin quezada" userId="fb22c8dae8141d71" providerId="LiveId" clId="{89D7F22E-45DA-4ECE-9686-C10738FEE380}" dt="2021-02-18T00:20:51.857" v="12206" actId="6549"/>
+          <ac:spMkLst>
+            <pc:docMk/>
+            <pc:sldMk cId="2165692886" sldId="308"/>
+            <ac:spMk id="4" creationId="{B663F35C-7716-41C1-91C4-7B9124E91ADD}"/>
+          </ac:spMkLst>
+        </pc:spChg>
+        <pc:spChg chg="mod">
+          <ac:chgData name="martin quezada" userId="fb22c8dae8141d71" providerId="LiveId" clId="{89D7F22E-45DA-4ECE-9686-C10738FEE380}" dt="2021-02-18T00:20:37.694" v="12170" actId="20577"/>
+          <ac:spMkLst>
+            <pc:docMk/>
+            <pc:sldMk cId="2165692886" sldId="308"/>
+            <ac:spMk id="5" creationId="{33415841-90E0-4ED8-8F02-6EEDE8974736}"/>
           </ac:spMkLst>
         </pc:spChg>
       </pc:sldChg>
@@ -6724,7 +6850,37 @@
           <a:bodyPr/>
           <a:lstStyle/>
           <a:p>
-            <a:endParaRPr lang="es-MX"/>
+            <a:r>
+              <a:rPr lang="es-ES" dirty="0"/>
+              <a:t>La administración de la aseguradora tiene la necesidad de proyectar flujos de efectivo, tanto de entrada como de salida en un entorno incierto y de largo plazo, a la vez de que: minimiza el riesgo de insolvencia, cumple con las obligaciones contractuales para con el contratante/asegurado, constituye una red de distribución sólida, retribuye al accionista de forma adecuada por el capital y el riesgo que está asumiendo y construye una operación sólida y flexible para aprovechar las oportunidades del mercado. </a:t>
+            </a:r>
+          </a:p>
+          <a:p>
+            <a:endParaRPr lang="es-ES" dirty="0"/>
+          </a:p>
+          <a:p>
+            <a:r>
+              <a:rPr lang="es-ES" dirty="0"/>
+              <a:t>Por si fuera poco, algunos indicadores pueden darnos señales engañosas del desempeño del negocio, por ejemplo, si tenemos ventas relevantes de un plan nuevo, puede darnos una perdida en el ejercicio, pero generación de valor en el largo plazo, unos años mas </a:t>
+            </a:r>
+            <a:r>
+              <a:rPr lang="es-ES" dirty="0" err="1"/>
+              <a:t>aelante</a:t>
+            </a:r>
+            <a:r>
+              <a:rPr lang="es-ES" dirty="0"/>
+              <a:t> observamos que la tasa de caducidad es más alta que la supuesta, en detrimento del valor futuro de esta cartera, aunque las utilidades pueden incrementarse en ese ejercicio. </a:t>
+            </a:r>
+          </a:p>
+          <a:p>
+            <a:endParaRPr lang="es-ES" dirty="0"/>
+          </a:p>
+          <a:p>
+            <a:r>
+              <a:rPr lang="es-ES" dirty="0"/>
+              <a:t>En este entorno de incertidumbre, lo único que nos queda es recoger información, identificar tendencias y construir modelos que nos ayuden a determinar la situación que prevalecerá en caso de que la tendencia continúe o en su defecto determinar acciones para modificar la tendencia. En este sentido los modelos de solvencia dinámica que establece la legislación mexicana pueden ser de mucha ayuda, pero todavía están lejos de que los tomadores de decisiones los utilicen en el día a día, de esta forma requerimos construir modelos más prácticos</a:t>
+            </a:r>
+            <a:endParaRPr lang="es-MX" dirty="0"/>
           </a:p>
         </p:txBody>
       </p:sp>
@@ -6745,7 +6901,7 @@
           <a:p>
             <a:fld id="{20CB20F0-D873-4D4D-939F-95B5C6BF3BD7}" type="slidenum">
               <a:rPr lang="es-MX" smtClean="0"/>
-              <a:t>32</a:t>
+              <a:t>33</a:t>
             </a:fld>
             <a:endParaRPr lang="es-MX"/>
           </a:p>
@@ -6754,7 +6910,7 @@
     </p:spTree>
     <p:extLst>
       <p:ext uri="{BB962C8B-B14F-4D97-AF65-F5344CB8AC3E}">
-        <p14:creationId xmlns:p14="http://schemas.microsoft.com/office/powerpoint/2010/main" val="3113936715"/>
+        <p14:creationId xmlns:p14="http://schemas.microsoft.com/office/powerpoint/2010/main" val="2809750240"/>
       </p:ext>
     </p:extLst>
   </p:cSld>
@@ -6829,7 +6985,7 @@
           <a:p>
             <a:fld id="{20CB20F0-D873-4D4D-939F-95B5C6BF3BD7}" type="slidenum">
               <a:rPr lang="es-MX" smtClean="0"/>
-              <a:t>33</a:t>
+              <a:t>34</a:t>
             </a:fld>
             <a:endParaRPr lang="es-MX"/>
           </a:p>
@@ -6838,7 +6994,7 @@
     </p:spTree>
     <p:extLst>
       <p:ext uri="{BB962C8B-B14F-4D97-AF65-F5344CB8AC3E}">
-        <p14:creationId xmlns:p14="http://schemas.microsoft.com/office/powerpoint/2010/main" val="2071113174"/>
+        <p14:creationId xmlns:p14="http://schemas.microsoft.com/office/powerpoint/2010/main" val="2862682521"/>
       </p:ext>
     </p:extLst>
   </p:cSld>
@@ -6892,37 +7048,7 @@
           <a:bodyPr/>
           <a:lstStyle/>
           <a:p>
-            <a:r>
-              <a:rPr lang="es-ES" dirty="0"/>
-              <a:t>La administración de la aseguradora tiene la necesidad de proyectar flujos de efectivo, tanto de entrada como de salida en un entorno incierto y de largo plazo, a la vez de que: minimiza el riesgo de insolvencia, cumple con las obligaciones contractuales para con el contratante/asegurado, constituye una red de distribución sólida, retribuye al accionista de forma adecuada por el capital y el riesgo que está asumiendo y construye una operación sólida y flexible para aprovechar las oportunidades del mercado. </a:t>
-            </a:r>
-          </a:p>
-          <a:p>
-            <a:endParaRPr lang="es-ES" dirty="0"/>
-          </a:p>
-          <a:p>
-            <a:r>
-              <a:rPr lang="es-ES" dirty="0"/>
-              <a:t>Por si fuera poco, algunos indicadores pueden darnos señales engañosas del desempeño del negocio, por ejemplo, si tenemos ventas relevantes de un plan nuevo, puede darnos una perdida en el ejercicio, pero generación de valor en el largo plazo, unos años mas </a:t>
-            </a:r>
-            <a:r>
-              <a:rPr lang="es-ES" dirty="0" err="1"/>
-              <a:t>aelante</a:t>
-            </a:r>
-            <a:r>
-              <a:rPr lang="es-ES" dirty="0"/>
-              <a:t> observamos que la tasa de caducidad es más alta que la supuesta, en detrimento del valor futuro de esta cartera, aunque las utilidades pueden incrementarse en ese ejercicio. </a:t>
-            </a:r>
-          </a:p>
-          <a:p>
-            <a:endParaRPr lang="es-ES" dirty="0"/>
-          </a:p>
-          <a:p>
-            <a:r>
-              <a:rPr lang="es-ES" dirty="0"/>
-              <a:t>En este entorno de incertidumbre, lo único que nos queda es recoger información, identificar tendencias y construir modelos que nos ayuden a determinar la situación que prevalecerá en caso de que la tendencia continúe o en su defecto determinar acciones para modificar la tendencia. En este sentido los modelos de solvencia dinámica que establece la legislación mexicana pueden ser de mucha ayuda, pero todavía están lejos de que los tomadores de decisiones los utilicen en el día a día, de esta forma requerimos construir modelos más prácticos</a:t>
-            </a:r>
-            <a:endParaRPr lang="es-MX" dirty="0"/>
+            <a:endParaRPr lang="es-MX"/>
           </a:p>
         </p:txBody>
       </p:sp>
@@ -6952,7 +7078,7 @@
     </p:spTree>
     <p:extLst>
       <p:ext uri="{BB962C8B-B14F-4D97-AF65-F5344CB8AC3E}">
-        <p14:creationId xmlns:p14="http://schemas.microsoft.com/office/powerpoint/2010/main" val="2809750240"/>
+        <p14:creationId xmlns:p14="http://schemas.microsoft.com/office/powerpoint/2010/main" val="3113936715"/>
       </p:ext>
     </p:extLst>
   </p:cSld>
@@ -7036,7 +7162,7 @@
     </p:spTree>
     <p:extLst>
       <p:ext uri="{BB962C8B-B14F-4D97-AF65-F5344CB8AC3E}">
-        <p14:creationId xmlns:p14="http://schemas.microsoft.com/office/powerpoint/2010/main" val="2862682521"/>
+        <p14:creationId xmlns:p14="http://schemas.microsoft.com/office/powerpoint/2010/main" val="2071113174"/>
       </p:ext>
     </p:extLst>
   </p:cSld>
@@ -23892,7 +24018,7 @@
         <p:spPr>
           <a:xfrm>
             <a:off x="897081" y="1191492"/>
-            <a:ext cx="10397837" cy="4062651"/>
+            <a:ext cx="10397837" cy="5170646"/>
           </a:xfrm>
           <a:prstGeom prst="rect">
             <a:avLst/>
@@ -23918,16 +24044,18 @@
           </a:p>
           <a:p>
             <a:r>
+              <a:rPr lang="es-MX" b="1" dirty="0" err="1">
+                <a:solidFill>
+                  <a:schemeClr val="accent1">
+                    <a:lumMod val="75000"/>
+                  </a:schemeClr>
+                </a:solidFill>
+              </a:rPr>
+              <a:t>NombreFunción</a:t>
+            </a:r>
+            <a:r>
               <a:rPr lang="es-MX" dirty="0"/>
-              <a:t>*</a:t>
-            </a:r>
-            <a:r>
-              <a:rPr lang="es-MX" dirty="0" err="1"/>
-              <a:t>NombreFunción</a:t>
-            </a:r>
-            <a:r>
-              <a:rPr lang="es-MX" dirty="0"/>
-              <a:t>* &lt;- </a:t>
+              <a:t> &lt;- </a:t>
             </a:r>
             <a:r>
               <a:rPr lang="es-MX" dirty="0" err="1"/>
@@ -23935,7 +24063,35 @@
             </a:r>
             <a:r>
               <a:rPr lang="es-MX" dirty="0"/>
-              <a:t>(*Argumentos*) {*Procedimiento -- entregable*}</a:t>
+              <a:t>(</a:t>
+            </a:r>
+            <a:r>
+              <a:rPr lang="es-MX" b="1" dirty="0">
+                <a:solidFill>
+                  <a:schemeClr val="accent1">
+                    <a:lumMod val="75000"/>
+                  </a:schemeClr>
+                </a:solidFill>
+              </a:rPr>
+              <a:t>Argumentos</a:t>
+            </a:r>
+            <a:r>
+              <a:rPr lang="es-MX" dirty="0"/>
+              <a:t>) {</a:t>
+            </a:r>
+            <a:r>
+              <a:rPr lang="es-MX" b="1" dirty="0">
+                <a:solidFill>
+                  <a:schemeClr val="accent1">
+                    <a:lumMod val="75000"/>
+                  </a:schemeClr>
+                </a:solidFill>
+              </a:rPr>
+              <a:t>Procedimiento -- entregable</a:t>
+            </a:r>
+            <a:r>
+              <a:rPr lang="es-MX" dirty="0"/>
+              <a:t>}</a:t>
             </a:r>
           </a:p>
           <a:p>
@@ -23943,93 +24099,128 @@
           </a:p>
           <a:p>
             <a:r>
+              <a:rPr lang="es-MX" b="1" dirty="0" err="1">
+                <a:solidFill>
+                  <a:schemeClr val="accent1">
+                    <a:lumMod val="75000"/>
+                  </a:schemeClr>
+                </a:solidFill>
+              </a:rPr>
+              <a:t>NombreFuncion</a:t>
+            </a:r>
+            <a:r>
               <a:rPr lang="es-MX" dirty="0"/>
-              <a:t>**</a:t>
-            </a:r>
-            <a:r>
-              <a:rPr lang="es-MX" dirty="0" err="1"/>
-              <a:t>NombreFuncion</a:t>
+              <a:t>: Identificador del objeto creado en R con el que se llama el procedimiento</a:t>
+            </a:r>
+          </a:p>
+          <a:p>
+            <a:endParaRPr lang="es-MX" dirty="0"/>
+          </a:p>
+          <a:p>
+            <a:r>
+              <a:rPr lang="es-MX" b="1" dirty="0">
+                <a:solidFill>
+                  <a:schemeClr val="accent1">
+                    <a:lumMod val="75000"/>
+                  </a:schemeClr>
+                </a:solidFill>
+              </a:rPr>
+              <a:t>Argumentos</a:t>
             </a:r>
             <a:r>
               <a:rPr lang="es-MX" dirty="0"/>
-              <a:t>**: Identificador del objeto creado en R con el que se llama el procedimiento</a:t>
-            </a:r>
-          </a:p>
-          <a:p>
+              <a:t>: Parámetros de entrada a considerar en el procedimiento</a:t>
+            </a:r>
+          </a:p>
+          <a:p>
+            <a:r>
+              <a:rPr lang="es-MX" dirty="0"/>
+              <a:t>   </a:t>
+            </a:r>
+          </a:p>
+          <a:p>
+            <a:r>
+              <a:rPr lang="es-ES" b="0" i="0" dirty="0">
+                <a:solidFill>
+                  <a:srgbClr val="555555"/>
+                </a:solidFill>
+                <a:effectLst/>
+              </a:rPr>
+              <a:t>Los </a:t>
+            </a:r>
+            <a:r>
+              <a:rPr lang="es-ES" b="1" i="0" dirty="0">
+                <a:solidFill>
+                  <a:srgbClr val="555555"/>
+                </a:solidFill>
+                <a:effectLst/>
+              </a:rPr>
+              <a:t>argumentos</a:t>
+            </a:r>
+            <a:r>
+              <a:rPr lang="es-ES" b="0" i="0" dirty="0">
+                <a:solidFill>
+                  <a:srgbClr val="555555"/>
+                </a:solidFill>
+                <a:effectLst/>
+              </a:rPr>
+              <a:t> se separan por una coma dentro de paréntesis</a:t>
+            </a:r>
+            <a:r>
+              <a:rPr lang="es-ES" dirty="0">
+                <a:solidFill>
+                  <a:srgbClr val="555555"/>
+                </a:solidFill>
+              </a:rPr>
+              <a:t>, p</a:t>
+            </a:r>
+            <a:r>
+              <a:rPr lang="es-ES" b="0" i="0" dirty="0">
+                <a:solidFill>
+                  <a:srgbClr val="555555"/>
+                </a:solidFill>
+                <a:effectLst/>
+              </a:rPr>
+              <a:t>uede ser cualquier tipo y cantidad, pueden estar incluidos en cualquier orden si se incluye su nombre, en caso contrario deben estar presentados en el mismo orden con que se definido la función , si en la definición se incluyo un valor por omisión, se le da un valor al argumento entonces este argumento se puede omitir. </a:t>
+            </a:r>
             <a:endParaRPr lang="es-MX" dirty="0"/>
           </a:p>
           <a:p>
+            <a:endParaRPr lang="es-MX" dirty="0"/>
+          </a:p>
+          <a:p>
+            <a:r>
+              <a:rPr lang="es-MX" b="1" dirty="0">
+                <a:solidFill>
+                  <a:schemeClr val="accent1">
+                    <a:lumMod val="75000"/>
+                  </a:schemeClr>
+                </a:solidFill>
+              </a:rPr>
+              <a:t>Procedimiento</a:t>
+            </a:r>
             <a:r>
               <a:rPr lang="es-MX" dirty="0"/>
-              <a:t>**Argumentos**: Parámetros de entrada a considerar en el procedimiento   </a:t>
-            </a:r>
-          </a:p>
-          <a:p>
-            <a:r>
-              <a:rPr lang="es-ES" b="0" i="0" dirty="0">
-                <a:solidFill>
-                  <a:srgbClr val="555555"/>
-                </a:solidFill>
-                <a:effectLst/>
-              </a:rPr>
-              <a:t>Los </a:t>
-            </a:r>
-            <a:r>
-              <a:rPr lang="es-ES" b="1" i="0" dirty="0">
-                <a:solidFill>
-                  <a:srgbClr val="555555"/>
-                </a:solidFill>
-                <a:effectLst/>
-              </a:rPr>
-              <a:t>argumentos</a:t>
-            </a:r>
-            <a:r>
-              <a:rPr lang="es-ES" b="0" i="0" dirty="0">
-                <a:solidFill>
-                  <a:srgbClr val="555555"/>
-                </a:solidFill>
-                <a:effectLst/>
-              </a:rPr>
-              <a:t> se separan por una coma dentro de </a:t>
-            </a:r>
-            <a:r>
-              <a:rPr lang="es-ES" b="0" i="0" dirty="0" err="1">
-                <a:solidFill>
-                  <a:srgbClr val="555555"/>
-                </a:solidFill>
-                <a:effectLst/>
-              </a:rPr>
-              <a:t>parentesis</a:t>
-            </a:r>
-            <a:r>
-              <a:rPr lang="es-ES" dirty="0">
-                <a:solidFill>
-                  <a:srgbClr val="555555"/>
-                </a:solidFill>
-              </a:rPr>
-              <a:t>, </a:t>
-            </a:r>
-            <a:r>
-              <a:rPr lang="es-ES" b="0" i="0" dirty="0">
-                <a:solidFill>
-                  <a:srgbClr val="555555"/>
-                </a:solidFill>
-                <a:effectLst/>
-              </a:rPr>
-              <a:t>dentro de «función()”. Puede ser cualquier tipo y cantidad de argumentos. Los argumentos son los ingredientes que necesitas para que se ejecute la función. Los argumentos pueden tener un valor predeterminado, por ejemplo si escribimos argumento2=10:</a:t>
-            </a:r>
+              <a:t>: Algoritmo con el que opera/modifica las variables de entrada y propias de la función para producir el resultado entregable</a:t>
+            </a:r>
+          </a:p>
+          <a:p>
             <a:endParaRPr lang="es-MX" dirty="0"/>
           </a:p>
           <a:p>
             <a:r>
+              <a:rPr lang="es-MX" b="1" dirty="0">
+                <a:solidFill>
+                  <a:schemeClr val="accent1">
+                    <a:lumMod val="75000"/>
+                  </a:schemeClr>
+                </a:solidFill>
+              </a:rPr>
+              <a:t>Entregable</a:t>
+            </a:r>
+            <a:r>
               <a:rPr lang="es-MX" dirty="0"/>
-              <a:t>**Procedimiento**: Algoritmo con el que opera/modifica las variables de entrada y propias de la función para producir el resultado entregable</a:t>
-            </a:r>
-          </a:p>
-          <a:p>
-            <a:r>
-              <a:rPr lang="es-MX" dirty="0"/>
-              <a:t>**Entregable**: Variables de respuesta que produce el algoritmo</a:t>
+              <a:t>: Variables de respuesta que produce el algoritmo</a:t>
             </a:r>
             <a:endParaRPr lang="es-MX" sz="2400" dirty="0"/>
           </a:p>
@@ -24120,10 +24311,10 @@
       </p:grpSpPr>
       <p:sp>
         <p:nvSpPr>
-          <p:cNvPr id="2" name="Título 1">
+          <p:cNvPr id="4" name="Título 1">
             <a:extLst>
               <a:ext uri="{FF2B5EF4-FFF2-40B4-BE49-F238E27FC236}">
-                <a16:creationId xmlns:a16="http://schemas.microsoft.com/office/drawing/2014/main" id="{BED32E55-6C8C-4AA4-B0A6-9D90AD5F3E1B}"/>
+                <a16:creationId xmlns:a16="http://schemas.microsoft.com/office/drawing/2014/main" id="{1A143E9F-7075-492C-972A-8450057E67FD}"/>
               </a:ext>
             </a:extLst>
           </p:cNvPr>
@@ -24134,12 +24325,1139 @@
             <p:ph type="title"/>
           </p:nvPr>
         </p:nvSpPr>
-        <p:spPr/>
+        <p:spPr>
+          <a:xfrm>
+            <a:off x="838200" y="365126"/>
+            <a:ext cx="10515600" cy="826366"/>
+          </a:xfrm>
+          <a:solidFill>
+            <a:schemeClr val="accent1">
+              <a:lumMod val="50000"/>
+            </a:schemeClr>
+          </a:solidFill>
+        </p:spPr>
+        <p:txBody>
+          <a:bodyPr>
+            <a:normAutofit/>
+          </a:bodyPr>
+          <a:lstStyle/>
+          <a:p>
+            <a:r>
+              <a:rPr lang="es-ES" sz="3200" dirty="0">
+                <a:solidFill>
+                  <a:schemeClr val="bg1">
+                    <a:lumMod val="95000"/>
+                  </a:schemeClr>
+                </a:solidFill>
+              </a:rPr>
+              <a:t>Funciones</a:t>
+            </a:r>
+            <a:endParaRPr lang="es-MX" sz="3200" dirty="0">
+              <a:solidFill>
+                <a:schemeClr val="bg1">
+                  <a:lumMod val="95000"/>
+                </a:schemeClr>
+              </a:solidFill>
+            </a:endParaRPr>
+          </a:p>
+        </p:txBody>
+      </p:sp>
+      <p:sp>
+        <p:nvSpPr>
+          <p:cNvPr id="6" name="Rectángulo: esquinas redondeadas 5">
+            <a:extLst>
+              <a:ext uri="{FF2B5EF4-FFF2-40B4-BE49-F238E27FC236}">
+                <a16:creationId xmlns:a16="http://schemas.microsoft.com/office/drawing/2014/main" id="{16674792-9554-4FC1-B735-7D9EB29FAF8F}"/>
+              </a:ext>
+            </a:extLst>
+          </p:cNvPr>
+          <p:cNvSpPr/>
+          <p:nvPr/>
+        </p:nvSpPr>
+        <p:spPr>
+          <a:xfrm>
+            <a:off x="838200" y="3616037"/>
+            <a:ext cx="5784273" cy="2935170"/>
+          </a:xfrm>
+          <a:prstGeom prst="roundRect">
+            <a:avLst>
+              <a:gd name="adj" fmla="val 3698"/>
+            </a:avLst>
+          </a:prstGeom>
+          <a:solidFill>
+            <a:schemeClr val="bg1">
+              <a:lumMod val="85000"/>
+            </a:schemeClr>
+          </a:solidFill>
+          <a:ln>
+            <a:solidFill>
+              <a:schemeClr val="tx2">
+                <a:lumMod val="75000"/>
+              </a:schemeClr>
+            </a:solidFill>
+          </a:ln>
+        </p:spPr>
+        <p:style>
+          <a:lnRef idx="2">
+            <a:schemeClr val="accent1">
+              <a:shade val="50000"/>
+            </a:schemeClr>
+          </a:lnRef>
+          <a:fillRef idx="1">
+            <a:schemeClr val="accent1"/>
+          </a:fillRef>
+          <a:effectRef idx="0">
+            <a:schemeClr val="accent1"/>
+          </a:effectRef>
+          <a:fontRef idx="minor">
+            <a:schemeClr val="lt1"/>
+          </a:fontRef>
+        </p:style>
+        <p:txBody>
+          <a:bodyPr rtlCol="0" anchor="t"/>
+          <a:lstStyle/>
+          <a:p>
+            <a:r>
+              <a:rPr lang="es-ES" sz="2400" dirty="0">
+                <a:solidFill>
+                  <a:schemeClr val="accent1">
+                    <a:lumMod val="75000"/>
+                  </a:schemeClr>
+                </a:solidFill>
+              </a:rPr>
+              <a:t>IMC &lt;- </a:t>
+            </a:r>
+            <a:r>
+              <a:rPr lang="es-ES" sz="2400" dirty="0" err="1">
+                <a:solidFill>
+                  <a:schemeClr val="accent1">
+                    <a:lumMod val="75000"/>
+                  </a:schemeClr>
+                </a:solidFill>
+              </a:rPr>
+              <a:t>function</a:t>
+            </a:r>
+            <a:r>
+              <a:rPr lang="es-ES" sz="2400" dirty="0">
+                <a:solidFill>
+                  <a:schemeClr val="accent1">
+                    <a:lumMod val="75000"/>
+                  </a:schemeClr>
+                </a:solidFill>
+              </a:rPr>
+              <a:t>(</a:t>
+            </a:r>
+            <a:r>
+              <a:rPr lang="es-ES" sz="2400" dirty="0" err="1">
+                <a:solidFill>
+                  <a:schemeClr val="accent1">
+                    <a:lumMod val="75000"/>
+                  </a:schemeClr>
+                </a:solidFill>
+              </a:rPr>
+              <a:t>peso,estatura,unidades</a:t>
+            </a:r>
+            <a:r>
+              <a:rPr lang="es-ES" sz="2400" dirty="0">
+                <a:solidFill>
+                  <a:schemeClr val="accent1">
+                    <a:lumMod val="75000"/>
+                  </a:schemeClr>
+                </a:solidFill>
+              </a:rPr>
+              <a:t>=0){</a:t>
+            </a:r>
+          </a:p>
+          <a:p>
+            <a:r>
+              <a:rPr lang="es-ES" sz="2400" dirty="0">
+                <a:solidFill>
+                  <a:schemeClr val="accent1">
+                    <a:lumMod val="75000"/>
+                  </a:schemeClr>
+                </a:solidFill>
+              </a:rPr>
+              <a:t>              </a:t>
+            </a:r>
+            <a:r>
+              <a:rPr lang="es-ES" sz="2400" dirty="0" err="1">
+                <a:solidFill>
+                  <a:schemeClr val="accent1">
+                    <a:lumMod val="75000"/>
+                  </a:schemeClr>
+                </a:solidFill>
+              </a:rPr>
+              <a:t>if</a:t>
+            </a:r>
+            <a:r>
+              <a:rPr lang="es-ES" sz="2400" dirty="0">
+                <a:solidFill>
+                  <a:schemeClr val="accent1">
+                    <a:lumMod val="75000"/>
+                  </a:schemeClr>
+                </a:solidFill>
+              </a:rPr>
+              <a:t> (unidades==0) {</a:t>
+            </a:r>
+          </a:p>
+          <a:p>
+            <a:r>
+              <a:rPr lang="es-ES" sz="2400" dirty="0">
+                <a:solidFill>
+                  <a:schemeClr val="accent1">
+                    <a:lumMod val="75000"/>
+                  </a:schemeClr>
+                </a:solidFill>
+              </a:rPr>
+              <a:t>                   </a:t>
+            </a:r>
+            <a:r>
+              <a:rPr lang="es-ES" sz="2400" dirty="0" err="1">
+                <a:solidFill>
+                  <a:schemeClr val="accent1">
+                    <a:lumMod val="75000"/>
+                  </a:schemeClr>
+                </a:solidFill>
+              </a:rPr>
+              <a:t>Indice</a:t>
+            </a:r>
+            <a:r>
+              <a:rPr lang="es-ES" sz="2400" dirty="0">
+                <a:solidFill>
+                  <a:schemeClr val="accent1">
+                    <a:lumMod val="75000"/>
+                  </a:schemeClr>
+                </a:solidFill>
+              </a:rPr>
+              <a:t> &lt;- peso / estatura^2 } </a:t>
+            </a:r>
+            <a:r>
+              <a:rPr lang="es-ES" sz="2400" dirty="0" err="1">
+                <a:solidFill>
+                  <a:schemeClr val="accent1">
+                    <a:lumMod val="75000"/>
+                  </a:schemeClr>
+                </a:solidFill>
+              </a:rPr>
+              <a:t>else</a:t>
+            </a:r>
+            <a:r>
+              <a:rPr lang="es-ES" sz="2400" dirty="0">
+                <a:solidFill>
+                  <a:schemeClr val="accent1">
+                    <a:lumMod val="75000"/>
+                  </a:schemeClr>
+                </a:solidFill>
+              </a:rPr>
+              <a:t> {</a:t>
+            </a:r>
+          </a:p>
+          <a:p>
+            <a:r>
+              <a:rPr lang="es-ES" sz="2400" dirty="0">
+                <a:solidFill>
+                  <a:schemeClr val="accent1">
+                    <a:lumMod val="75000"/>
+                  </a:schemeClr>
+                </a:solidFill>
+              </a:rPr>
+              <a:t>                   </a:t>
+            </a:r>
+            <a:r>
+              <a:rPr lang="es-ES" sz="2400" dirty="0" err="1">
+                <a:solidFill>
+                  <a:schemeClr val="accent1">
+                    <a:lumMod val="75000"/>
+                  </a:schemeClr>
+                </a:solidFill>
+              </a:rPr>
+              <a:t>Indice</a:t>
+            </a:r>
+            <a:r>
+              <a:rPr lang="es-ES" sz="2400" dirty="0">
+                <a:solidFill>
+                  <a:schemeClr val="accent1">
+                    <a:lumMod val="75000"/>
+                  </a:schemeClr>
+                </a:solidFill>
+              </a:rPr>
+              <a:t> &lt;- 703 * peso / estatura^2}</a:t>
+            </a:r>
+          </a:p>
+          <a:p>
+            <a:r>
+              <a:rPr lang="es-ES" sz="2400" dirty="0">
+                <a:solidFill>
+                  <a:schemeClr val="accent1">
+                    <a:lumMod val="75000"/>
+                  </a:schemeClr>
+                </a:solidFill>
+              </a:rPr>
+              <a:t>              </a:t>
+            </a:r>
+            <a:r>
+              <a:rPr lang="es-ES" sz="2400" dirty="0" err="1">
+                <a:solidFill>
+                  <a:schemeClr val="accent1">
+                    <a:lumMod val="75000"/>
+                  </a:schemeClr>
+                </a:solidFill>
+              </a:rPr>
+              <a:t>return</a:t>
+            </a:r>
+            <a:r>
+              <a:rPr lang="es-ES" sz="2400" dirty="0">
+                <a:solidFill>
+                  <a:schemeClr val="accent1">
+                    <a:lumMod val="75000"/>
+                  </a:schemeClr>
+                </a:solidFill>
+              </a:rPr>
+              <a:t>(</a:t>
+            </a:r>
+            <a:r>
+              <a:rPr lang="es-ES" sz="2400" dirty="0" err="1">
+                <a:solidFill>
+                  <a:schemeClr val="accent1">
+                    <a:lumMod val="75000"/>
+                  </a:schemeClr>
+                </a:solidFill>
+              </a:rPr>
+              <a:t>Indice</a:t>
+            </a:r>
+            <a:r>
+              <a:rPr lang="es-ES" sz="2400" dirty="0">
+                <a:solidFill>
+                  <a:schemeClr val="accent1">
+                    <a:lumMod val="75000"/>
+                  </a:schemeClr>
+                </a:solidFill>
+              </a:rPr>
+              <a:t>)</a:t>
+            </a:r>
+          </a:p>
+          <a:p>
+            <a:r>
+              <a:rPr lang="es-ES" sz="2400" dirty="0">
+                <a:solidFill>
+                  <a:schemeClr val="accent1">
+                    <a:lumMod val="75000"/>
+                  </a:schemeClr>
+                </a:solidFill>
+              </a:rPr>
+              <a:t>              } </a:t>
+            </a:r>
+            <a:endParaRPr lang="es-MX" sz="2400" dirty="0">
+              <a:solidFill>
+                <a:schemeClr val="accent1">
+                  <a:lumMod val="75000"/>
+                </a:schemeClr>
+              </a:solidFill>
+            </a:endParaRPr>
+          </a:p>
+        </p:txBody>
+      </p:sp>
+      <p:sp>
+        <p:nvSpPr>
+          <p:cNvPr id="5" name="CuadroTexto 4">
+            <a:extLst>
+              <a:ext uri="{FF2B5EF4-FFF2-40B4-BE49-F238E27FC236}">
+                <a16:creationId xmlns:a16="http://schemas.microsoft.com/office/drawing/2014/main" id="{015E0089-08C7-4C8D-9C62-AAA8F87CF792}"/>
+              </a:ext>
+            </a:extLst>
+          </p:cNvPr>
+          <p:cNvSpPr txBox="1"/>
+          <p:nvPr/>
+        </p:nvSpPr>
+        <p:spPr>
+          <a:xfrm>
+            <a:off x="838200" y="2304226"/>
+            <a:ext cx="10512005" cy="1200329"/>
+          </a:xfrm>
+          <a:prstGeom prst="rect">
+            <a:avLst/>
+          </a:prstGeom>
+          <a:noFill/>
+        </p:spPr>
+        <p:txBody>
+          <a:bodyPr wrap="square">
+            <a:spAutoFit/>
+          </a:bodyPr>
+          <a:lstStyle/>
+          <a:p>
+            <a:r>
+              <a:rPr lang="es-MX" b="1" dirty="0" err="1">
+                <a:solidFill>
+                  <a:schemeClr val="accent1">
+                    <a:lumMod val="75000"/>
+                  </a:schemeClr>
+                </a:solidFill>
+              </a:rPr>
+              <a:t>NombreFunción</a:t>
+            </a:r>
+            <a:r>
+              <a:rPr lang="es-MX" b="1" dirty="0">
+                <a:solidFill>
+                  <a:schemeClr val="accent1">
+                    <a:lumMod val="75000"/>
+                  </a:schemeClr>
+                </a:solidFill>
+              </a:rPr>
+              <a:t> </a:t>
+            </a:r>
+            <a:r>
+              <a:rPr lang="es-MX" dirty="0"/>
+              <a:t>&lt;- </a:t>
+            </a:r>
+            <a:r>
+              <a:rPr lang="es-MX" dirty="0" err="1"/>
+              <a:t>function</a:t>
+            </a:r>
+            <a:r>
+              <a:rPr lang="es-MX" dirty="0"/>
+              <a:t>(</a:t>
+            </a:r>
+            <a:r>
+              <a:rPr lang="es-MX" b="1" dirty="0">
+                <a:solidFill>
+                  <a:schemeClr val="accent1">
+                    <a:lumMod val="75000"/>
+                  </a:schemeClr>
+                </a:solidFill>
+              </a:rPr>
+              <a:t>Argumentos</a:t>
+            </a:r>
+            <a:r>
+              <a:rPr lang="es-MX" dirty="0"/>
+              <a:t>) {</a:t>
+            </a:r>
+            <a:r>
+              <a:rPr lang="es-MX" b="1" dirty="0">
+                <a:solidFill>
+                  <a:schemeClr val="accent1">
+                    <a:lumMod val="75000"/>
+                  </a:schemeClr>
+                </a:solidFill>
+              </a:rPr>
+              <a:t>Procedimiento -- entregable</a:t>
+            </a:r>
+            <a:r>
+              <a:rPr lang="es-MX" dirty="0"/>
+              <a:t>}</a:t>
+            </a:r>
+          </a:p>
+          <a:p>
+            <a:r>
+              <a:rPr lang="es-MX" dirty="0"/>
+              <a:t>         </a:t>
+            </a:r>
+          </a:p>
+          <a:p>
+            <a:r>
+              <a:rPr lang="es-MX" b="1" dirty="0" err="1">
+                <a:solidFill>
+                  <a:schemeClr val="accent1">
+                    <a:lumMod val="75000"/>
+                  </a:schemeClr>
+                </a:solidFill>
+              </a:rPr>
+              <a:t>NombreFunción</a:t>
+            </a:r>
+            <a:r>
+              <a:rPr lang="es-MX" b="1" dirty="0">
+                <a:solidFill>
+                  <a:schemeClr val="accent1">
+                    <a:lumMod val="75000"/>
+                  </a:schemeClr>
+                </a:solidFill>
+              </a:rPr>
+              <a:t>  </a:t>
+            </a:r>
+            <a:r>
+              <a:rPr lang="es-MX" dirty="0"/>
+              <a:t>IMC    			</a:t>
+            </a:r>
+            <a:r>
+              <a:rPr lang="es-MX" b="1" dirty="0">
+                <a:solidFill>
+                  <a:schemeClr val="accent1">
+                    <a:lumMod val="75000"/>
+                  </a:schemeClr>
+                </a:solidFill>
+              </a:rPr>
+              <a:t> Procedimiento</a:t>
+            </a:r>
+            <a:r>
+              <a:rPr lang="es-MX" dirty="0"/>
+              <a:t>:  </a:t>
+            </a:r>
+            <a:r>
+              <a:rPr lang="es-ES" dirty="0"/>
+              <a:t> </a:t>
+            </a:r>
+            <a:r>
+              <a:rPr lang="es-ES" dirty="0" err="1"/>
+              <a:t>Indice</a:t>
+            </a:r>
+            <a:r>
+              <a:rPr lang="es-ES" dirty="0"/>
+              <a:t> &lt;- peso / estatura^2 } . . .  </a:t>
+            </a:r>
+            <a:r>
+              <a:rPr lang="es-MX" dirty="0"/>
+              <a:t>	      </a:t>
+            </a:r>
+          </a:p>
+          <a:p>
+            <a:r>
+              <a:rPr lang="es-MX" b="1" dirty="0">
+                <a:solidFill>
+                  <a:schemeClr val="accent1">
+                    <a:lumMod val="75000"/>
+                  </a:schemeClr>
+                </a:solidFill>
+              </a:rPr>
+              <a:t>Argumentos</a:t>
+            </a:r>
+            <a:r>
+              <a:rPr lang="es-MX" dirty="0"/>
+              <a:t> (Peso, estatura, unidades)		</a:t>
+            </a:r>
+            <a:r>
+              <a:rPr lang="es-MX" b="1" dirty="0">
+                <a:solidFill>
+                  <a:schemeClr val="accent1">
+                    <a:lumMod val="75000"/>
+                  </a:schemeClr>
+                </a:solidFill>
+              </a:rPr>
+              <a:t>entregable</a:t>
+            </a:r>
+            <a:r>
+              <a:rPr lang="es-MX" dirty="0"/>
+              <a:t>:           </a:t>
+            </a:r>
+            <a:r>
+              <a:rPr lang="es-MX" dirty="0" err="1"/>
+              <a:t>Indice</a:t>
+            </a:r>
+            <a:endParaRPr lang="es-MX" dirty="0"/>
+          </a:p>
+        </p:txBody>
+      </p:sp>
+      <p:sp>
+        <p:nvSpPr>
+          <p:cNvPr id="7" name="CuadroTexto 6">
+            <a:extLst>
+              <a:ext uri="{FF2B5EF4-FFF2-40B4-BE49-F238E27FC236}">
+                <a16:creationId xmlns:a16="http://schemas.microsoft.com/office/drawing/2014/main" id="{4ED6372E-309E-4083-BBBE-65A4E8C305F2}"/>
+              </a:ext>
+            </a:extLst>
+          </p:cNvPr>
+          <p:cNvSpPr txBox="1"/>
+          <p:nvPr/>
+        </p:nvSpPr>
+        <p:spPr>
+          <a:xfrm>
+            <a:off x="838200" y="1394734"/>
+            <a:ext cx="10508411" cy="646331"/>
+          </a:xfrm>
+          <a:prstGeom prst="rect">
+            <a:avLst/>
+          </a:prstGeom>
+          <a:noFill/>
+        </p:spPr>
+        <p:txBody>
+          <a:bodyPr wrap="square" rtlCol="0">
+            <a:spAutoFit/>
+          </a:bodyPr>
+          <a:lstStyle/>
+          <a:p>
+            <a:r>
+              <a:rPr lang="es-ES" dirty="0"/>
+              <a:t>Retomando el  ejemplo del índice de masa corporal, vamos a desarrollar una función que  calcule este índice, las variables de entrada son: Peso, Estatura y unidades de medida (Por omisión Métrico, 1 ingles)</a:t>
+            </a:r>
+            <a:endParaRPr lang="es-MX" dirty="0"/>
+          </a:p>
+        </p:txBody>
+      </p:sp>
+      <p:sp>
+        <p:nvSpPr>
+          <p:cNvPr id="8" name="Rectángulo: esquinas redondeadas 7">
+            <a:extLst>
+              <a:ext uri="{FF2B5EF4-FFF2-40B4-BE49-F238E27FC236}">
+                <a16:creationId xmlns:a16="http://schemas.microsoft.com/office/drawing/2014/main" id="{78AEC1AD-447B-4872-8D4F-9CBED6C1C545}"/>
+              </a:ext>
+            </a:extLst>
+          </p:cNvPr>
+          <p:cNvSpPr/>
+          <p:nvPr/>
+        </p:nvSpPr>
+        <p:spPr>
+          <a:xfrm>
+            <a:off x="6733308" y="3616037"/>
+            <a:ext cx="4738255" cy="2935169"/>
+          </a:xfrm>
+          <a:prstGeom prst="roundRect">
+            <a:avLst>
+              <a:gd name="adj" fmla="val 3698"/>
+            </a:avLst>
+          </a:prstGeom>
+          <a:solidFill>
+            <a:schemeClr val="accent5">
+              <a:lumMod val="40000"/>
+              <a:lumOff val="60000"/>
+            </a:schemeClr>
+          </a:solidFill>
+          <a:ln>
+            <a:solidFill>
+              <a:schemeClr val="tx2">
+                <a:lumMod val="75000"/>
+              </a:schemeClr>
+            </a:solidFill>
+          </a:ln>
+        </p:spPr>
+        <p:style>
+          <a:lnRef idx="2">
+            <a:schemeClr val="accent1">
+              <a:shade val="50000"/>
+            </a:schemeClr>
+          </a:lnRef>
+          <a:fillRef idx="1">
+            <a:schemeClr val="accent1"/>
+          </a:fillRef>
+          <a:effectRef idx="0">
+            <a:schemeClr val="accent1"/>
+          </a:effectRef>
+          <a:fontRef idx="minor">
+            <a:schemeClr val="lt1"/>
+          </a:fontRef>
+        </p:style>
+        <p:txBody>
+          <a:bodyPr rtlCol="0" anchor="t"/>
+          <a:lstStyle/>
+          <a:p>
+            <a:r>
+              <a:rPr lang="es-ES" sz="1600" dirty="0">
+                <a:solidFill>
+                  <a:schemeClr val="accent1">
+                    <a:lumMod val="75000"/>
+                  </a:schemeClr>
+                </a:solidFill>
+              </a:rPr>
+              <a:t>Resultados    </a:t>
+            </a:r>
+          </a:p>
+          <a:p>
+            <a:r>
+              <a:rPr lang="es-ES" sz="1600" dirty="0">
+                <a:solidFill>
+                  <a:schemeClr val="accent1">
+                    <a:lumMod val="75000"/>
+                  </a:schemeClr>
+                </a:solidFill>
+              </a:rPr>
+              <a:t>(el parámetro unidades toma el valor por omisión = 0)</a:t>
+            </a:r>
+          </a:p>
+          <a:p>
+            <a:endParaRPr lang="es-ES" sz="1600" dirty="0">
+              <a:solidFill>
+                <a:schemeClr val="accent1">
+                  <a:lumMod val="75000"/>
+                </a:schemeClr>
+              </a:solidFill>
+            </a:endParaRPr>
+          </a:p>
+          <a:p>
+            <a:r>
+              <a:rPr lang="es-ES" sz="1600" dirty="0">
+                <a:solidFill>
+                  <a:schemeClr val="accent1">
+                    <a:lumMod val="75000"/>
+                  </a:schemeClr>
+                </a:solidFill>
+              </a:rPr>
+              <a:t>IMC(peso=94,estatura=1.78) →   29.66797</a:t>
+            </a:r>
+          </a:p>
+          <a:p>
+            <a:endParaRPr lang="es-ES" sz="1600" dirty="0">
+              <a:solidFill>
+                <a:schemeClr val="accent1">
+                  <a:lumMod val="75000"/>
+                </a:schemeClr>
+              </a:solidFill>
+            </a:endParaRPr>
+          </a:p>
+          <a:p>
+            <a:r>
+              <a:rPr lang="es-ES" sz="1600" dirty="0">
+                <a:solidFill>
+                  <a:schemeClr val="accent1">
+                    <a:lumMod val="75000"/>
+                  </a:schemeClr>
+                </a:solidFill>
+              </a:rPr>
+              <a:t>IMC(94,1.78)                             →   29.66797</a:t>
+            </a:r>
+          </a:p>
+          <a:p>
+            <a:endParaRPr lang="es-ES" sz="1600" dirty="0">
+              <a:solidFill>
+                <a:schemeClr val="accent1">
+                  <a:lumMod val="75000"/>
+                </a:schemeClr>
+              </a:solidFill>
+            </a:endParaRPr>
+          </a:p>
+          <a:p>
+            <a:r>
+              <a:rPr lang="es-ES" sz="1600" dirty="0">
+                <a:solidFill>
+                  <a:schemeClr val="accent1">
+                    <a:lumMod val="75000"/>
+                  </a:schemeClr>
+                </a:solidFill>
+              </a:rPr>
+              <a:t>IMC(</a:t>
+            </a:r>
+            <a:r>
+              <a:rPr lang="es-ES" sz="1600" dirty="0">
+                <a:solidFill>
+                  <a:srgbClr val="C55A11"/>
+                </a:solidFill>
+              </a:rPr>
+              <a:t>1.78 , 94</a:t>
+            </a:r>
+            <a:r>
+              <a:rPr lang="es-ES" sz="1600" dirty="0">
+                <a:solidFill>
+                  <a:schemeClr val="accent1">
+                    <a:lumMod val="75000"/>
+                  </a:schemeClr>
+                </a:solidFill>
+              </a:rPr>
+              <a:t>)                           →      0.000201</a:t>
+            </a:r>
+          </a:p>
+          <a:p>
+            <a:r>
+              <a:rPr lang="es-ES" sz="1600" dirty="0">
+                <a:solidFill>
+                  <a:schemeClr val="accent1">
+                    <a:lumMod val="75000"/>
+                  </a:schemeClr>
+                </a:solidFill>
+              </a:rPr>
+              <a:t>Asume el orden con que se definió la función</a:t>
+            </a:r>
+          </a:p>
+          <a:p>
+            <a:endParaRPr lang="es-ES" sz="1600" dirty="0">
+              <a:solidFill>
+                <a:schemeClr val="accent1">
+                  <a:lumMod val="75000"/>
+                </a:schemeClr>
+              </a:solidFill>
+            </a:endParaRPr>
+          </a:p>
+          <a:p>
+            <a:r>
+              <a:rPr lang="es-ES" sz="1600" dirty="0">
+                <a:solidFill>
+                  <a:schemeClr val="accent1">
+                    <a:lumMod val="75000"/>
+                  </a:schemeClr>
+                </a:solidFill>
+              </a:rPr>
+              <a:t>IMC(estatura=1.78,peso=94)  →  29.66797</a:t>
+            </a:r>
+            <a:endParaRPr lang="es-MX" sz="1600" dirty="0">
+              <a:solidFill>
+                <a:schemeClr val="accent1">
+                  <a:lumMod val="75000"/>
+                </a:schemeClr>
+              </a:solidFill>
+            </a:endParaRPr>
+          </a:p>
+        </p:txBody>
+      </p:sp>
+      <p:sp>
+        <p:nvSpPr>
+          <p:cNvPr id="9" name="Rectangle 1">
+            <a:extLst>
+              <a:ext uri="{FF2B5EF4-FFF2-40B4-BE49-F238E27FC236}">
+                <a16:creationId xmlns:a16="http://schemas.microsoft.com/office/drawing/2014/main" id="{6A11CC55-A4EC-4EB3-A90F-A947E8512FBD}"/>
+              </a:ext>
+            </a:extLst>
+          </p:cNvPr>
+          <p:cNvSpPr>
+            <a:spLocks noChangeArrowheads="1"/>
+          </p:cNvSpPr>
+          <p:nvPr/>
+        </p:nvSpPr>
+        <p:spPr bwMode="auto">
+          <a:xfrm>
+            <a:off x="0" y="0"/>
+            <a:ext cx="12192000" cy="457200"/>
+          </a:xfrm>
+          <a:prstGeom prst="rect">
+            <a:avLst/>
+          </a:prstGeom>
+          <a:solidFill>
+            <a:srgbClr val="FFFFFF"/>
+          </a:solidFill>
+          <a:ln>
+            <a:noFill/>
+          </a:ln>
+          <a:effectLst/>
+          <a:extLst>
+            <a:ext uri="{91240B29-F687-4F45-9708-019B960494DF}">
+              <a14:hiddenLine xmlns:a14="http://schemas.microsoft.com/office/drawing/2010/main" w="9525">
+                <a:solidFill>
+                  <a:schemeClr val="tx1"/>
+                </a:solidFill>
+                <a:miter lim="800000"/>
+                <a:headEnd/>
+                <a:tailEnd/>
+              </a14:hiddenLine>
+            </a:ext>
+            <a:ext uri="{AF507438-7753-43E0-B8FC-AC1667EBCBE1}">
+              <a14:hiddenEffects xmlns:a14="http://schemas.microsoft.com/office/drawing/2010/main">
+                <a:effectLst>
+                  <a:outerShdw dist="35921" dir="2700000" algn="ctr" rotWithShape="0">
+                    <a:schemeClr val="bg2"/>
+                  </a:outerShdw>
+                </a:effectLst>
+              </a14:hiddenEffects>
+            </a:ext>
+          </a:extLst>
+        </p:spPr>
+        <p:txBody>
+          <a:bodyPr vert="horz" wrap="none" lIns="0" tIns="0" rIns="0" bIns="0" numCol="1" anchor="ctr" anchorCtr="0" compatLnSpc="1">
+            <a:prstTxWarp prst="textNoShape">
+              <a:avLst/>
+            </a:prstTxWarp>
+            <a:spAutoFit/>
+          </a:bodyPr>
+          <a:lstStyle/>
+          <a:p>
+            <a:endParaRPr lang="es-MX"/>
+          </a:p>
+        </p:txBody>
+      </p:sp>
+      <p:sp>
+        <p:nvSpPr>
+          <p:cNvPr id="10" name="Rectangle 2">
+            <a:extLst>
+              <a:ext uri="{FF2B5EF4-FFF2-40B4-BE49-F238E27FC236}">
+                <a16:creationId xmlns:a16="http://schemas.microsoft.com/office/drawing/2014/main" id="{0A174140-F9A5-4491-A8E3-215CBC5F9B17}"/>
+              </a:ext>
+            </a:extLst>
+          </p:cNvPr>
+          <p:cNvSpPr>
+            <a:spLocks noChangeArrowheads="1"/>
+          </p:cNvSpPr>
+          <p:nvPr/>
+        </p:nvSpPr>
+        <p:spPr bwMode="auto">
+          <a:xfrm>
+            <a:off x="152400" y="152400"/>
+            <a:ext cx="12192000" cy="457200"/>
+          </a:xfrm>
+          <a:prstGeom prst="rect">
+            <a:avLst/>
+          </a:prstGeom>
+          <a:solidFill>
+            <a:srgbClr val="FFFFFF"/>
+          </a:solidFill>
+          <a:ln>
+            <a:noFill/>
+          </a:ln>
+          <a:effectLst/>
+          <a:extLst>
+            <a:ext uri="{91240B29-F687-4F45-9708-019B960494DF}">
+              <a14:hiddenLine xmlns:a14="http://schemas.microsoft.com/office/drawing/2010/main" w="9525">
+                <a:solidFill>
+                  <a:schemeClr val="tx1"/>
+                </a:solidFill>
+                <a:miter lim="800000"/>
+                <a:headEnd/>
+                <a:tailEnd/>
+              </a14:hiddenLine>
+            </a:ext>
+            <a:ext uri="{AF507438-7753-43E0-B8FC-AC1667EBCBE1}">
+              <a14:hiddenEffects xmlns:a14="http://schemas.microsoft.com/office/drawing/2010/main">
+                <a:effectLst>
+                  <a:outerShdw dist="35921" dir="2700000" algn="ctr" rotWithShape="0">
+                    <a:schemeClr val="bg2"/>
+                  </a:outerShdw>
+                </a:effectLst>
+              </a14:hiddenEffects>
+            </a:ext>
+          </a:extLst>
+        </p:spPr>
+        <p:txBody>
+          <a:bodyPr vert="horz" wrap="none" lIns="0" tIns="0" rIns="0" bIns="0" numCol="1" anchor="ctr" anchorCtr="0" compatLnSpc="1">
+            <a:prstTxWarp prst="textNoShape">
+              <a:avLst/>
+            </a:prstTxWarp>
+            <a:spAutoFit/>
+          </a:bodyPr>
+          <a:lstStyle/>
+          <a:p>
+            <a:endParaRPr lang="es-MX"/>
+          </a:p>
+        </p:txBody>
+      </p:sp>
+    </p:spTree>
+    <p:extLst>
+      <p:ext uri="{BB962C8B-B14F-4D97-AF65-F5344CB8AC3E}">
+        <p14:creationId xmlns:p14="http://schemas.microsoft.com/office/powerpoint/2010/main" val="549027182"/>
+      </p:ext>
+    </p:extLst>
+  </p:cSld>
+  <p:clrMapOvr>
+    <a:masterClrMapping/>
+  </p:clrMapOvr>
+</p:sld>
+</file>
+
+<file path=ppt/slides/slide32.xml><?xml version="1.0" encoding="utf-8"?>
+<p:sld xmlns:a="http://schemas.openxmlformats.org/drawingml/2006/main" xmlns:r="http://schemas.openxmlformats.org/officeDocument/2006/relationships" xmlns:p="http://schemas.openxmlformats.org/presentationml/2006/main">
+  <p:cSld>
+    <p:spTree>
+      <p:nvGrpSpPr>
+        <p:cNvPr id="1" name=""/>
+        <p:cNvGrpSpPr/>
+        <p:nvPr/>
+      </p:nvGrpSpPr>
+      <p:grpSpPr>
+        <a:xfrm>
+          <a:off x="0" y="0"/>
+          <a:ext cx="0" cy="0"/>
+          <a:chOff x="0" y="0"/>
+          <a:chExt cx="0" cy="0"/>
+        </a:xfrm>
+      </p:grpSpPr>
+      <p:sp>
+        <p:nvSpPr>
+          <p:cNvPr id="4" name="Título 1">
+            <a:extLst>
+              <a:ext uri="{FF2B5EF4-FFF2-40B4-BE49-F238E27FC236}">
+                <a16:creationId xmlns:a16="http://schemas.microsoft.com/office/drawing/2014/main" id="{B663F35C-7716-41C1-91C4-7B9124E91ADD}"/>
+              </a:ext>
+            </a:extLst>
+          </p:cNvPr>
+          <p:cNvSpPr>
+            <a:spLocks noGrp="1"/>
+          </p:cNvSpPr>
+          <p:nvPr>
+            <p:ph type="title"/>
+          </p:nvPr>
+        </p:nvSpPr>
+        <p:spPr>
+          <a:xfrm>
+            <a:off x="1870365" y="3990108"/>
+            <a:ext cx="9836728" cy="2369127"/>
+          </a:xfrm>
+          <a:solidFill>
+            <a:schemeClr val="accent1">
+              <a:lumMod val="50000"/>
+            </a:schemeClr>
+          </a:solidFill>
+        </p:spPr>
+        <p:txBody>
+          <a:bodyPr rtlCol="0">
+            <a:normAutofit/>
+          </a:bodyPr>
+          <a:lstStyle/>
+          <a:p>
+            <a:pPr algn="r" rtl="0"/>
+            <a:r>
+              <a:rPr lang="es-ES" dirty="0">
+                <a:solidFill>
+                  <a:schemeClr val="accent4">
+                    <a:lumMod val="60000"/>
+                    <a:lumOff val="40000"/>
+                  </a:schemeClr>
+                </a:solidFill>
+              </a:rPr>
+              <a:t>El reto de las tasas de interés bajas</a:t>
+            </a:r>
+          </a:p>
+        </p:txBody>
+      </p:sp>
+      <p:sp>
+        <p:nvSpPr>
+          <p:cNvPr id="5" name="Título 1">
+            <a:extLst>
+              <a:ext uri="{FF2B5EF4-FFF2-40B4-BE49-F238E27FC236}">
+                <a16:creationId xmlns:a16="http://schemas.microsoft.com/office/drawing/2014/main" id="{33415841-90E0-4ED8-8F02-6EEDE8974736}"/>
+              </a:ext>
+            </a:extLst>
+          </p:cNvPr>
+          <p:cNvSpPr txBox="1">
+            <a:spLocks/>
+          </p:cNvSpPr>
+          <p:nvPr/>
+        </p:nvSpPr>
+        <p:spPr>
+          <a:xfrm>
+            <a:off x="1870365" y="2660071"/>
+            <a:ext cx="9836728" cy="1080655"/>
+          </a:xfrm>
+          <a:prstGeom prst="rect">
+            <a:avLst/>
+          </a:prstGeom>
+          <a:solidFill>
+            <a:schemeClr val="accent1">
+              <a:lumMod val="50000"/>
+            </a:schemeClr>
+          </a:solidFill>
+        </p:spPr>
+        <p:txBody>
+          <a:bodyPr vert="horz" lIns="91440" tIns="45720" rIns="91440" bIns="45720" rtlCol="0" anchor="ctr">
+            <a:normAutofit/>
+          </a:bodyPr>
+          <a:lstStyle>
+            <a:lvl1pPr algn="l" defTabSz="914400" rtl="0" eaLnBrk="1" latinLnBrk="0" hangingPunct="1">
+              <a:lnSpc>
+                <a:spcPct val="90000"/>
+              </a:lnSpc>
+              <a:spcBef>
+                <a:spcPct val="0"/>
+              </a:spcBef>
+              <a:buNone/>
+              <a:defRPr sz="4400" kern="1200">
+                <a:solidFill>
+                  <a:schemeClr val="tx1"/>
+                </a:solidFill>
+                <a:latin typeface="+mj-lt"/>
+                <a:ea typeface="+mj-ea"/>
+                <a:cs typeface="+mj-cs"/>
+              </a:defRPr>
+            </a:lvl1pPr>
+          </a:lstStyle>
+          <a:p>
+            <a:r>
+              <a:rPr lang="es-ES" dirty="0">
+                <a:solidFill>
+                  <a:schemeClr val="bg1">
+                    <a:lumMod val="95000"/>
+                  </a:schemeClr>
+                </a:solidFill>
+              </a:rPr>
+              <a:t>Unidad 5</a:t>
+            </a:r>
+            <a:endParaRPr lang="es-ES" sz="1600" dirty="0">
+              <a:solidFill>
+                <a:schemeClr val="bg1">
+                  <a:lumMod val="95000"/>
+                </a:schemeClr>
+              </a:solidFill>
+            </a:endParaRPr>
+          </a:p>
+        </p:txBody>
+      </p:sp>
+      <p:pic>
+        <p:nvPicPr>
+          <p:cNvPr id="6" name="Imagen 5">
+            <a:extLst>
+              <a:ext uri="{FF2B5EF4-FFF2-40B4-BE49-F238E27FC236}">
+                <a16:creationId xmlns:a16="http://schemas.microsoft.com/office/drawing/2014/main" id="{F3F92809-85CA-4EC8-9C38-3DC0E36E8797}"/>
+              </a:ext>
+            </a:extLst>
+          </p:cNvPr>
+          <p:cNvPicPr>
+            <a:picLocks noChangeAspect="1"/>
+          </p:cNvPicPr>
+          <p:nvPr/>
+        </p:nvPicPr>
+        <p:blipFill>
+          <a:blip r:embed="rId2">
+            <a:extLst>
+              <a:ext uri="{28A0092B-C50C-407E-A947-70E740481C1C}">
+                <a14:useLocalDpi xmlns:a14="http://schemas.microsoft.com/office/drawing/2010/main" val="0"/>
+              </a:ext>
+            </a:extLst>
+          </a:blip>
+          <a:stretch>
+            <a:fillRect/>
+          </a:stretch>
+        </p:blipFill>
+        <p:spPr>
+          <a:xfrm>
+            <a:off x="622725" y="498765"/>
+            <a:ext cx="4268454" cy="1363723"/>
+          </a:xfrm>
+          <a:prstGeom prst="rect">
+            <a:avLst/>
+          </a:prstGeom>
+        </p:spPr>
+      </p:pic>
+    </p:spTree>
+    <p:extLst>
+      <p:ext uri="{BB962C8B-B14F-4D97-AF65-F5344CB8AC3E}">
+        <p14:creationId xmlns:p14="http://schemas.microsoft.com/office/powerpoint/2010/main" val="1698222251"/>
+      </p:ext>
+    </p:extLst>
+  </p:cSld>
+  <p:clrMapOvr>
+    <a:masterClrMapping/>
+  </p:clrMapOvr>
+</p:sld>
+</file>
+
+<file path=ppt/slides/slide33.xml><?xml version="1.0" encoding="utf-8"?>
+<p:sld xmlns:a="http://schemas.openxmlformats.org/drawingml/2006/main" xmlns:r="http://schemas.openxmlformats.org/officeDocument/2006/relationships" xmlns:p="http://schemas.openxmlformats.org/presentationml/2006/main">
+  <p:cSld>
+    <p:spTree>
+      <p:nvGrpSpPr>
+        <p:cNvPr id="1" name=""/>
+        <p:cNvGrpSpPr/>
+        <p:nvPr/>
+      </p:nvGrpSpPr>
+      <p:grpSpPr>
+        <a:xfrm>
+          <a:off x="0" y="0"/>
+          <a:ext cx="0" cy="0"/>
+          <a:chOff x="0" y="0"/>
+          <a:chExt cx="0" cy="0"/>
+        </a:xfrm>
+      </p:grpSpPr>
+      <p:sp>
+        <p:nvSpPr>
+          <p:cNvPr id="2" name="Título 1">
+            <a:extLst>
+              <a:ext uri="{FF2B5EF4-FFF2-40B4-BE49-F238E27FC236}">
+                <a16:creationId xmlns:a16="http://schemas.microsoft.com/office/drawing/2014/main" id="{9633C7E1-80D0-4182-BAD0-6A326E0C15CA}"/>
+              </a:ext>
+            </a:extLst>
+          </p:cNvPr>
+          <p:cNvSpPr>
+            <a:spLocks noGrp="1"/>
+          </p:cNvSpPr>
+          <p:nvPr>
+            <p:ph type="title"/>
+          </p:nvPr>
+        </p:nvSpPr>
+        <p:spPr>
+          <a:xfrm>
+            <a:off x="491837" y="18255"/>
+            <a:ext cx="10515600" cy="1325563"/>
+          </a:xfrm>
+        </p:spPr>
         <p:txBody>
           <a:bodyPr/>
           <a:lstStyle/>
           <a:p>
-            <a:endParaRPr lang="es-MX"/>
+            <a:r>
+              <a:rPr lang="es-ES" dirty="0"/>
+              <a:t>Entorno para el desarrollo de modelos</a:t>
+            </a:r>
+            <a:endParaRPr lang="es-MX" dirty="0"/>
           </a:p>
         </p:txBody>
       </p:sp>
@@ -24148,7 +25466,7 @@
           <p:cNvPr id="3" name="Marcador de contenido 2">
             <a:extLst>
               <a:ext uri="{FF2B5EF4-FFF2-40B4-BE49-F238E27FC236}">
-                <a16:creationId xmlns:a16="http://schemas.microsoft.com/office/drawing/2014/main" id="{A1C9AF0A-C3C9-4AA3-96CE-BE17887C8618}"/>
+                <a16:creationId xmlns:a16="http://schemas.microsoft.com/office/drawing/2014/main" id="{706F8739-61AD-4254-9FBF-EAD99920855A}"/>
               </a:ext>
             </a:extLst>
           </p:cNvPr>
@@ -24159,18 +25477,106 @@
             <p:ph idx="1"/>
           </p:nvPr>
         </p:nvSpPr>
-        <p:spPr/>
+        <p:spPr>
+          <a:xfrm>
+            <a:off x="838200" y="1177636"/>
+            <a:ext cx="10515600" cy="4999327"/>
+          </a:xfrm>
+        </p:spPr>
         <p:txBody>
-          <a:bodyPr/>
+          <a:bodyPr>
+            <a:normAutofit/>
+          </a:bodyPr>
           <a:lstStyle/>
           <a:p>
             <a:r>
-              <a:rPr lang="es-ES" dirty="0"/>
-              <a:t>Las compañías de seguros de vida siempre han estado expuestas a variaciones en las tasas de interés de largo plazo, ya que estas son la base para determinar las primas, las reservas y la competitividad en el mercado (al ofrecer tasas de interés garantizado y participación de utilidades por producto financiero). En la medida que las tasas de mercado se acercan a las tasas técnicas, empiezan los problemas, incluso si sus portafolios esta invertidos por arriba de la tasa de valuación, ya que tendrían un problema con la tasa de reinversión del nuevo negocio.</a:t>
-            </a:r>
-          </a:p>
-          <a:p>
-            <a:endParaRPr lang="es-MX" dirty="0"/>
+              <a:rPr lang="es-ES" sz="1800" dirty="0"/>
+              <a:t>Necesidad de proyectar flujos de efectivo en un entorno incierto y de largo plazo,</a:t>
+            </a:r>
+          </a:p>
+          <a:p>
+            <a:endParaRPr lang="es-ES" sz="1800" dirty="0"/>
+          </a:p>
+          <a:p>
+            <a:r>
+              <a:rPr lang="es-ES" sz="1800" dirty="0"/>
+              <a:t> Objetivos múltiples  </a:t>
+            </a:r>
+          </a:p>
+          <a:p>
+            <a:pPr lvl="1"/>
+            <a:r>
+              <a:rPr lang="es-ES" sz="1600" dirty="0"/>
+              <a:t>Minimiza el riesgo de insolvencia, </a:t>
+            </a:r>
+          </a:p>
+          <a:p>
+            <a:pPr lvl="1"/>
+            <a:r>
+              <a:rPr lang="es-ES" sz="1600" dirty="0"/>
+              <a:t>Cumplir con la oferta a contratante/asegurado, </a:t>
+            </a:r>
+          </a:p>
+          <a:p>
+            <a:pPr lvl="1"/>
+            <a:r>
+              <a:rPr lang="es-ES" sz="1600" dirty="0"/>
+              <a:t>constituye una red de distribución sólida, </a:t>
+            </a:r>
+          </a:p>
+          <a:p>
+            <a:pPr lvl="1"/>
+            <a:r>
+              <a:rPr lang="es-ES" sz="1600" dirty="0"/>
+              <a:t>retribuye al accionista de forma adecuada por el capital y el riesgo que está asumiendo </a:t>
+            </a:r>
+          </a:p>
+          <a:p>
+            <a:pPr lvl="1"/>
+            <a:r>
+              <a:rPr lang="es-ES" sz="1600" dirty="0"/>
+              <a:t>Construye una operación sólida y flexible para aprovechar las oportunidades del mercado. </a:t>
+            </a:r>
+          </a:p>
+          <a:p>
+            <a:endParaRPr lang="es-ES" sz="1800" dirty="0"/>
+          </a:p>
+          <a:p>
+            <a:r>
+              <a:rPr lang="es-ES" sz="1800" dirty="0"/>
+              <a:t>Indicadores  escasos, divergentes y complejos</a:t>
+            </a:r>
+          </a:p>
+          <a:p>
+            <a:endParaRPr lang="es-ES" sz="1800" dirty="0"/>
+          </a:p>
+          <a:p>
+            <a:r>
+              <a:rPr lang="es-ES" sz="1800" dirty="0"/>
+              <a:t>Alternativas </a:t>
+            </a:r>
+          </a:p>
+          <a:p>
+            <a:pPr lvl="1"/>
+            <a:r>
+              <a:rPr lang="es-ES" sz="1400" dirty="0"/>
+              <a:t>Conocimientos especializados (finanzas, riesgos, seguros, tecnología) </a:t>
+            </a:r>
+          </a:p>
+          <a:p>
+            <a:pPr lvl="1"/>
+            <a:r>
+              <a:rPr lang="es-ES" sz="1400" dirty="0"/>
+              <a:t>Soluciones  puntuales Problemas dinámicos               Necesidad de seguimiento y reevaluación</a:t>
+            </a:r>
+          </a:p>
+          <a:p>
+            <a:pPr lvl="1"/>
+            <a:r>
+              <a:rPr lang="es-ES" sz="1400" dirty="0"/>
+              <a:t>Herramientas en construcción</a:t>
+            </a:r>
+            <a:endParaRPr lang="es-MX" sz="1400" dirty="0"/>
           </a:p>
         </p:txBody>
       </p:sp>
@@ -24179,7 +25585,7 @@
           <p:cNvPr id="4" name="Imagen 3">
             <a:extLst>
               <a:ext uri="{FF2B5EF4-FFF2-40B4-BE49-F238E27FC236}">
-                <a16:creationId xmlns:a16="http://schemas.microsoft.com/office/drawing/2014/main" id="{02F8F1B8-89A3-4D76-82BE-A39C83D974D3}"/>
+                <a16:creationId xmlns:a16="http://schemas.microsoft.com/office/drawing/2014/main" id="{C5F24D03-1D34-41E0-9921-81BAB301A71E}"/>
               </a:ext>
             </a:extLst>
           </p:cNvPr>
@@ -24187,7 +25593,7 @@
           <p:nvPr/>
         </p:nvPicPr>
         <p:blipFill rotWithShape="1">
-          <a:blip r:embed="rId2">
+          <a:blip r:embed="rId3">
             <a:extLst>
               <a:ext uri="{28A0092B-C50C-407E-A947-70E740481C1C}">
                 <a14:useLocalDpi xmlns:a14="http://schemas.microsoft.com/office/drawing/2010/main" val="0"/>
@@ -24214,7 +25620,7 @@
     </p:spTree>
     <p:extLst>
       <p:ext uri="{BB962C8B-B14F-4D97-AF65-F5344CB8AC3E}">
-        <p14:creationId xmlns:p14="http://schemas.microsoft.com/office/powerpoint/2010/main" val="3269840278"/>
+        <p14:creationId xmlns:p14="http://schemas.microsoft.com/office/powerpoint/2010/main" val="4073404585"/>
       </p:ext>
     </p:extLst>
   </p:cSld>
@@ -24224,7 +25630,885 @@
 </p:sld>
 </file>
 
-<file path=ppt/slides/slide32.xml><?xml version="1.0" encoding="utf-8"?>
+<file path=ppt/slides/slide34.xml><?xml version="1.0" encoding="utf-8"?>
+<p:sld xmlns:a="http://schemas.openxmlformats.org/drawingml/2006/main" xmlns:r="http://schemas.openxmlformats.org/officeDocument/2006/relationships" xmlns:p="http://schemas.openxmlformats.org/presentationml/2006/main">
+  <p:cSld>
+    <p:spTree>
+      <p:nvGrpSpPr>
+        <p:cNvPr id="1" name=""/>
+        <p:cNvGrpSpPr/>
+        <p:nvPr/>
+      </p:nvGrpSpPr>
+      <p:grpSpPr>
+        <a:xfrm>
+          <a:off x="0" y="0"/>
+          <a:ext cx="0" cy="0"/>
+          <a:chOff x="0" y="0"/>
+          <a:chExt cx="0" cy="0"/>
+        </a:xfrm>
+      </p:grpSpPr>
+      <p:grpSp>
+        <p:nvGrpSpPr>
+          <p:cNvPr id="30" name="Grupo 29">
+            <a:extLst>
+              <a:ext uri="{FF2B5EF4-FFF2-40B4-BE49-F238E27FC236}">
+                <a16:creationId xmlns:a16="http://schemas.microsoft.com/office/drawing/2014/main" id="{4C7E1678-3785-4EFC-9291-7A662097ACE8}"/>
+              </a:ext>
+            </a:extLst>
+          </p:cNvPr>
+          <p:cNvGrpSpPr/>
+          <p:nvPr/>
+        </p:nvGrpSpPr>
+        <p:grpSpPr>
+          <a:xfrm rot="3158018">
+            <a:off x="2686379" y="1676776"/>
+            <a:ext cx="4153714" cy="3382457"/>
+            <a:chOff x="7829903" y="2987752"/>
+            <a:chExt cx="2874588" cy="2073454"/>
+          </a:xfrm>
+        </p:grpSpPr>
+        <p:sp>
+          <p:nvSpPr>
+            <p:cNvPr id="24" name="Flecha: a la derecha 23">
+              <a:extLst>
+                <a:ext uri="{FF2B5EF4-FFF2-40B4-BE49-F238E27FC236}">
+                  <a16:creationId xmlns:a16="http://schemas.microsoft.com/office/drawing/2014/main" id="{8405354D-400D-4145-81FB-AA4B1FD143A6}"/>
+                </a:ext>
+              </a:extLst>
+            </p:cNvPr>
+            <p:cNvSpPr/>
+            <p:nvPr/>
+          </p:nvSpPr>
+          <p:spPr>
+            <a:xfrm rot="14908263">
+              <a:off x="8456719" y="3439519"/>
+              <a:ext cx="1538554" cy="635019"/>
+            </a:xfrm>
+            <a:prstGeom prst="rightArrow">
+              <a:avLst/>
+            </a:prstGeom>
+            <a:ln>
+              <a:noFill/>
+            </a:ln>
+          </p:spPr>
+          <p:style>
+            <a:lnRef idx="2">
+              <a:schemeClr val="accent1">
+                <a:shade val="50000"/>
+              </a:schemeClr>
+            </a:lnRef>
+            <a:fillRef idx="1">
+              <a:schemeClr val="accent1"/>
+            </a:fillRef>
+            <a:effectRef idx="0">
+              <a:schemeClr val="accent1"/>
+            </a:effectRef>
+            <a:fontRef idx="minor">
+              <a:schemeClr val="lt1"/>
+            </a:fontRef>
+          </p:style>
+          <p:txBody>
+            <a:bodyPr rtlCol="0" anchor="ctr"/>
+            <a:lstStyle/>
+            <a:p>
+              <a:pPr algn="ctr"/>
+              <a:endParaRPr lang="es-MX"/>
+            </a:p>
+          </p:txBody>
+        </p:sp>
+        <p:sp>
+          <p:nvSpPr>
+            <p:cNvPr id="26" name="Flecha: a la derecha 25">
+              <a:extLst>
+                <a:ext uri="{FF2B5EF4-FFF2-40B4-BE49-F238E27FC236}">
+                  <a16:creationId xmlns:a16="http://schemas.microsoft.com/office/drawing/2014/main" id="{C0848914-BE80-4E19-B298-5BECC6E84AC4}"/>
+                </a:ext>
+              </a:extLst>
+            </p:cNvPr>
+            <p:cNvSpPr/>
+            <p:nvPr/>
+          </p:nvSpPr>
+          <p:spPr>
+            <a:xfrm rot="11300628">
+              <a:off x="7829903" y="4111285"/>
+              <a:ext cx="1703404" cy="565475"/>
+            </a:xfrm>
+            <a:prstGeom prst="rightArrow">
+              <a:avLst/>
+            </a:prstGeom>
+            <a:ln>
+              <a:noFill/>
+            </a:ln>
+          </p:spPr>
+          <p:style>
+            <a:lnRef idx="2">
+              <a:schemeClr val="accent1">
+                <a:shade val="50000"/>
+              </a:schemeClr>
+            </a:lnRef>
+            <a:fillRef idx="1">
+              <a:schemeClr val="accent1"/>
+            </a:fillRef>
+            <a:effectRef idx="0">
+              <a:schemeClr val="accent1"/>
+            </a:effectRef>
+            <a:fontRef idx="minor">
+              <a:schemeClr val="lt1"/>
+            </a:fontRef>
+          </p:style>
+          <p:txBody>
+            <a:bodyPr rtlCol="0" anchor="ctr"/>
+            <a:lstStyle/>
+            <a:p>
+              <a:pPr algn="ctr"/>
+              <a:endParaRPr lang="es-MX"/>
+            </a:p>
+          </p:txBody>
+        </p:sp>
+        <p:sp>
+          <p:nvSpPr>
+            <p:cNvPr id="28" name="Flecha: a la derecha 27">
+              <a:extLst>
+                <a:ext uri="{FF2B5EF4-FFF2-40B4-BE49-F238E27FC236}">
+                  <a16:creationId xmlns:a16="http://schemas.microsoft.com/office/drawing/2014/main" id="{B97FE89A-CF39-4A19-B686-88A64AD12F2B}"/>
+                </a:ext>
+              </a:extLst>
+            </p:cNvPr>
+            <p:cNvSpPr/>
+            <p:nvPr/>
+          </p:nvSpPr>
+          <p:spPr>
+            <a:xfrm rot="2228451">
+              <a:off x="9201972" y="4471479"/>
+              <a:ext cx="1502519" cy="589727"/>
+            </a:xfrm>
+            <a:prstGeom prst="rightArrow">
+              <a:avLst/>
+            </a:prstGeom>
+            <a:ln>
+              <a:noFill/>
+            </a:ln>
+          </p:spPr>
+          <p:style>
+            <a:lnRef idx="2">
+              <a:schemeClr val="accent1">
+                <a:shade val="50000"/>
+              </a:schemeClr>
+            </a:lnRef>
+            <a:fillRef idx="1">
+              <a:schemeClr val="accent1"/>
+            </a:fillRef>
+            <a:effectRef idx="0">
+              <a:schemeClr val="accent1"/>
+            </a:effectRef>
+            <a:fontRef idx="minor">
+              <a:schemeClr val="lt1"/>
+            </a:fontRef>
+          </p:style>
+          <p:txBody>
+            <a:bodyPr rtlCol="0" anchor="ctr"/>
+            <a:lstStyle/>
+            <a:p>
+              <a:pPr algn="ctr"/>
+              <a:endParaRPr lang="es-MX"/>
+            </a:p>
+          </p:txBody>
+        </p:sp>
+      </p:grpSp>
+      <p:sp>
+        <p:nvSpPr>
+          <p:cNvPr id="6" name="Título 1">
+            <a:extLst>
+              <a:ext uri="{FF2B5EF4-FFF2-40B4-BE49-F238E27FC236}">
+                <a16:creationId xmlns:a16="http://schemas.microsoft.com/office/drawing/2014/main" id="{005F194D-1FC1-42A3-9AA0-8ABAD2A48634}"/>
+              </a:ext>
+            </a:extLst>
+          </p:cNvPr>
+          <p:cNvSpPr>
+            <a:spLocks noGrp="1"/>
+          </p:cNvSpPr>
+          <p:nvPr>
+            <p:ph type="title"/>
+          </p:nvPr>
+        </p:nvSpPr>
+        <p:spPr>
+          <a:xfrm>
+            <a:off x="838200" y="365126"/>
+            <a:ext cx="10515600" cy="826366"/>
+          </a:xfrm>
+          <a:solidFill>
+            <a:schemeClr val="accent1">
+              <a:lumMod val="50000"/>
+            </a:schemeClr>
+          </a:solidFill>
+        </p:spPr>
+        <p:txBody>
+          <a:bodyPr>
+            <a:normAutofit fontScale="90000"/>
+          </a:bodyPr>
+          <a:lstStyle/>
+          <a:p>
+            <a:r>
+              <a:rPr lang="es-ES" sz="3200" dirty="0">
+                <a:solidFill>
+                  <a:schemeClr val="bg1">
+                    <a:lumMod val="95000"/>
+                  </a:schemeClr>
+                </a:solidFill>
+              </a:rPr>
+              <a:t>Modelos Actuariales, mas que una encrucijada una intersección…</a:t>
+            </a:r>
+            <a:endParaRPr lang="es-MX" sz="3200" dirty="0">
+              <a:solidFill>
+                <a:schemeClr val="bg1">
+                  <a:lumMod val="95000"/>
+                </a:schemeClr>
+              </a:solidFill>
+            </a:endParaRPr>
+          </a:p>
+        </p:txBody>
+      </p:sp>
+      <p:sp>
+        <p:nvSpPr>
+          <p:cNvPr id="7" name="Elipse 6">
+            <a:extLst>
+              <a:ext uri="{FF2B5EF4-FFF2-40B4-BE49-F238E27FC236}">
+                <a16:creationId xmlns:a16="http://schemas.microsoft.com/office/drawing/2014/main" id="{63EAEDEE-8707-4038-AAC9-91E12693AC38}"/>
+              </a:ext>
+            </a:extLst>
+          </p:cNvPr>
+          <p:cNvSpPr/>
+          <p:nvPr/>
+        </p:nvSpPr>
+        <p:spPr>
+          <a:xfrm>
+            <a:off x="848271" y="1414733"/>
+            <a:ext cx="3994030" cy="3502324"/>
+          </a:xfrm>
+          <a:prstGeom prst="ellipse">
+            <a:avLst/>
+          </a:prstGeom>
+          <a:solidFill>
+            <a:srgbClr val="0070C0">
+              <a:alpha val="41176"/>
+            </a:srgbClr>
+          </a:solidFill>
+          <a:ln>
+            <a:solidFill>
+              <a:srgbClr val="0070C0"/>
+            </a:solidFill>
+          </a:ln>
+        </p:spPr>
+        <p:style>
+          <a:lnRef idx="2">
+            <a:schemeClr val="accent1">
+              <a:shade val="50000"/>
+            </a:schemeClr>
+          </a:lnRef>
+          <a:fillRef idx="1">
+            <a:schemeClr val="accent1"/>
+          </a:fillRef>
+          <a:effectRef idx="0">
+            <a:schemeClr val="accent1"/>
+          </a:effectRef>
+          <a:fontRef idx="minor">
+            <a:schemeClr val="lt1"/>
+          </a:fontRef>
+        </p:style>
+        <p:txBody>
+          <a:bodyPr rtlCol="0" anchor="ctr"/>
+          <a:lstStyle/>
+          <a:p>
+            <a:pPr algn="ctr"/>
+            <a:endParaRPr lang="es-MX"/>
+          </a:p>
+        </p:txBody>
+      </p:sp>
+      <p:sp>
+        <p:nvSpPr>
+          <p:cNvPr id="11" name="Elipse 10">
+            <a:extLst>
+              <a:ext uri="{FF2B5EF4-FFF2-40B4-BE49-F238E27FC236}">
+                <a16:creationId xmlns:a16="http://schemas.microsoft.com/office/drawing/2014/main" id="{FF2547FF-633D-4693-A0CF-FCFF107DB393}"/>
+              </a:ext>
+            </a:extLst>
+          </p:cNvPr>
+          <p:cNvSpPr/>
+          <p:nvPr/>
+        </p:nvSpPr>
+        <p:spPr>
+          <a:xfrm>
+            <a:off x="3896183" y="1506213"/>
+            <a:ext cx="3994030" cy="3502324"/>
+          </a:xfrm>
+          <a:prstGeom prst="ellipse">
+            <a:avLst/>
+          </a:prstGeom>
+          <a:solidFill>
+            <a:schemeClr val="accent2">
+              <a:lumMod val="60000"/>
+              <a:lumOff val="40000"/>
+              <a:alpha val="41176"/>
+            </a:schemeClr>
+          </a:solidFill>
+          <a:ln>
+            <a:solidFill>
+              <a:schemeClr val="accent2">
+                <a:lumMod val="75000"/>
+              </a:schemeClr>
+            </a:solidFill>
+          </a:ln>
+        </p:spPr>
+        <p:style>
+          <a:lnRef idx="2">
+            <a:schemeClr val="accent1">
+              <a:shade val="50000"/>
+            </a:schemeClr>
+          </a:lnRef>
+          <a:fillRef idx="1">
+            <a:schemeClr val="accent1"/>
+          </a:fillRef>
+          <a:effectRef idx="0">
+            <a:schemeClr val="accent1"/>
+          </a:effectRef>
+          <a:fontRef idx="minor">
+            <a:schemeClr val="lt1"/>
+          </a:fontRef>
+        </p:style>
+        <p:txBody>
+          <a:bodyPr rtlCol="0" anchor="ctr"/>
+          <a:lstStyle/>
+          <a:p>
+            <a:pPr algn="ctr"/>
+            <a:endParaRPr lang="es-MX"/>
+          </a:p>
+        </p:txBody>
+      </p:sp>
+      <p:sp>
+        <p:nvSpPr>
+          <p:cNvPr id="13" name="Elipse 12">
+            <a:extLst>
+              <a:ext uri="{FF2B5EF4-FFF2-40B4-BE49-F238E27FC236}">
+                <a16:creationId xmlns:a16="http://schemas.microsoft.com/office/drawing/2014/main" id="{7C1C4EB4-6FED-4482-8BDC-3CE4109371A9}"/>
+              </a:ext>
+            </a:extLst>
+          </p:cNvPr>
+          <p:cNvSpPr/>
+          <p:nvPr/>
+        </p:nvSpPr>
+        <p:spPr>
+          <a:xfrm>
+            <a:off x="2385211" y="3062378"/>
+            <a:ext cx="3994030" cy="3502324"/>
+          </a:xfrm>
+          <a:prstGeom prst="ellipse">
+            <a:avLst/>
+          </a:prstGeom>
+          <a:solidFill>
+            <a:schemeClr val="accent4">
+              <a:lumMod val="60000"/>
+              <a:lumOff val="40000"/>
+              <a:alpha val="40000"/>
+            </a:schemeClr>
+          </a:solidFill>
+          <a:ln>
+            <a:solidFill>
+              <a:schemeClr val="accent4">
+                <a:lumMod val="60000"/>
+                <a:lumOff val="40000"/>
+              </a:schemeClr>
+            </a:solidFill>
+          </a:ln>
+        </p:spPr>
+        <p:style>
+          <a:lnRef idx="2">
+            <a:schemeClr val="accent1">
+              <a:shade val="50000"/>
+            </a:schemeClr>
+          </a:lnRef>
+          <a:fillRef idx="1">
+            <a:schemeClr val="accent1"/>
+          </a:fillRef>
+          <a:effectRef idx="0">
+            <a:schemeClr val="accent1"/>
+          </a:effectRef>
+          <a:fontRef idx="minor">
+            <a:schemeClr val="lt1"/>
+          </a:fontRef>
+        </p:style>
+        <p:txBody>
+          <a:bodyPr rtlCol="0" anchor="ctr"/>
+          <a:lstStyle/>
+          <a:p>
+            <a:pPr algn="ctr"/>
+            <a:endParaRPr lang="es-MX"/>
+          </a:p>
+        </p:txBody>
+      </p:sp>
+      <p:sp>
+        <p:nvSpPr>
+          <p:cNvPr id="14" name="CuadroTexto 13">
+            <a:extLst>
+              <a:ext uri="{FF2B5EF4-FFF2-40B4-BE49-F238E27FC236}">
+                <a16:creationId xmlns:a16="http://schemas.microsoft.com/office/drawing/2014/main" id="{E93F59E5-0ECF-4E3B-976D-3147BDE9B683}"/>
+              </a:ext>
+            </a:extLst>
+          </p:cNvPr>
+          <p:cNvSpPr txBox="1"/>
+          <p:nvPr/>
+        </p:nvSpPr>
+        <p:spPr>
+          <a:xfrm>
+            <a:off x="2215558" y="1561381"/>
+            <a:ext cx="1259456" cy="369332"/>
+          </a:xfrm>
+          <a:prstGeom prst="rect">
+            <a:avLst/>
+          </a:prstGeom>
+          <a:noFill/>
+        </p:spPr>
+        <p:txBody>
+          <a:bodyPr wrap="square" rtlCol="0">
+            <a:spAutoFit/>
+          </a:bodyPr>
+          <a:lstStyle/>
+          <a:p>
+            <a:pPr algn="ctr"/>
+            <a:r>
+              <a:rPr lang="es-ES" dirty="0"/>
+              <a:t>CIENCIA</a:t>
+            </a:r>
+            <a:endParaRPr lang="es-MX" dirty="0"/>
+          </a:p>
+        </p:txBody>
+      </p:sp>
+      <p:sp>
+        <p:nvSpPr>
+          <p:cNvPr id="16" name="CuadroTexto 15">
+            <a:extLst>
+              <a:ext uri="{FF2B5EF4-FFF2-40B4-BE49-F238E27FC236}">
+                <a16:creationId xmlns:a16="http://schemas.microsoft.com/office/drawing/2014/main" id="{25A74503-5FC7-4200-9711-9B27FEEBBDE4}"/>
+              </a:ext>
+            </a:extLst>
+          </p:cNvPr>
+          <p:cNvSpPr txBox="1"/>
+          <p:nvPr/>
+        </p:nvSpPr>
+        <p:spPr>
+          <a:xfrm>
+            <a:off x="5166511" y="1561381"/>
+            <a:ext cx="1505310" cy="369332"/>
+          </a:xfrm>
+          <a:prstGeom prst="rect">
+            <a:avLst/>
+          </a:prstGeom>
+          <a:noFill/>
+        </p:spPr>
+        <p:txBody>
+          <a:bodyPr wrap="square" rtlCol="0">
+            <a:spAutoFit/>
+          </a:bodyPr>
+          <a:lstStyle/>
+          <a:p>
+            <a:pPr algn="ctr"/>
+            <a:r>
+              <a:rPr lang="es-ES" dirty="0"/>
+              <a:t>TECNOLOGIA</a:t>
+            </a:r>
+            <a:endParaRPr lang="es-MX" dirty="0"/>
+          </a:p>
+        </p:txBody>
+      </p:sp>
+      <p:sp>
+        <p:nvSpPr>
+          <p:cNvPr id="18" name="CuadroTexto 17">
+            <a:extLst>
+              <a:ext uri="{FF2B5EF4-FFF2-40B4-BE49-F238E27FC236}">
+                <a16:creationId xmlns:a16="http://schemas.microsoft.com/office/drawing/2014/main" id="{B4325C4B-4CCC-4E73-B1BB-1E478A662149}"/>
+              </a:ext>
+            </a:extLst>
+          </p:cNvPr>
+          <p:cNvSpPr txBox="1"/>
+          <p:nvPr/>
+        </p:nvSpPr>
+        <p:spPr>
+          <a:xfrm>
+            <a:off x="3661201" y="6113311"/>
+            <a:ext cx="1505310" cy="369332"/>
+          </a:xfrm>
+          <a:prstGeom prst="rect">
+            <a:avLst/>
+          </a:prstGeom>
+          <a:noFill/>
+        </p:spPr>
+        <p:txBody>
+          <a:bodyPr wrap="square" rtlCol="0">
+            <a:spAutoFit/>
+          </a:bodyPr>
+          <a:lstStyle/>
+          <a:p>
+            <a:pPr algn="ctr"/>
+            <a:r>
+              <a:rPr lang="es-ES" dirty="0"/>
+              <a:t>ARTE</a:t>
+            </a:r>
+            <a:endParaRPr lang="es-MX" dirty="0"/>
+          </a:p>
+        </p:txBody>
+      </p:sp>
+      <p:sp>
+        <p:nvSpPr>
+          <p:cNvPr id="19" name="CuadroTexto 18">
+            <a:extLst>
+              <a:ext uri="{FF2B5EF4-FFF2-40B4-BE49-F238E27FC236}">
+                <a16:creationId xmlns:a16="http://schemas.microsoft.com/office/drawing/2014/main" id="{001752EB-681F-49FA-B462-659FC89CA6F3}"/>
+              </a:ext>
+            </a:extLst>
+          </p:cNvPr>
+          <p:cNvSpPr txBox="1"/>
+          <p:nvPr/>
+        </p:nvSpPr>
+        <p:spPr>
+          <a:xfrm>
+            <a:off x="8333117" y="1846053"/>
+            <a:ext cx="3260785" cy="646331"/>
+          </a:xfrm>
+          <a:prstGeom prst="rect">
+            <a:avLst/>
+          </a:prstGeom>
+          <a:noFill/>
+        </p:spPr>
+        <p:txBody>
+          <a:bodyPr wrap="square" rtlCol="0">
+            <a:spAutoFit/>
+          </a:bodyPr>
+          <a:lstStyle/>
+          <a:p>
+            <a:r>
+              <a:rPr lang="es-ES" dirty="0"/>
+              <a:t>No debemos optar por uno o dos de estos elementos</a:t>
+            </a:r>
+            <a:endParaRPr lang="es-MX" dirty="0"/>
+          </a:p>
+        </p:txBody>
+      </p:sp>
+      <p:sp>
+        <p:nvSpPr>
+          <p:cNvPr id="20" name="CuadroTexto 19">
+            <a:extLst>
+              <a:ext uri="{FF2B5EF4-FFF2-40B4-BE49-F238E27FC236}">
+                <a16:creationId xmlns:a16="http://schemas.microsoft.com/office/drawing/2014/main" id="{D4816117-A922-4FD0-9928-217ABE6832D7}"/>
+              </a:ext>
+            </a:extLst>
+          </p:cNvPr>
+          <p:cNvSpPr txBox="1"/>
+          <p:nvPr/>
+        </p:nvSpPr>
+        <p:spPr>
+          <a:xfrm>
+            <a:off x="2935863" y="4917057"/>
+            <a:ext cx="3812876" cy="1169551"/>
+          </a:xfrm>
+          <a:prstGeom prst="rect">
+            <a:avLst/>
+          </a:prstGeom>
+          <a:noFill/>
+        </p:spPr>
+        <p:txBody>
+          <a:bodyPr wrap="square" rtlCol="0">
+            <a:spAutoFit/>
+          </a:bodyPr>
+          <a:lstStyle/>
+          <a:p>
+            <a:pPr marL="85725" indent="-85725">
+              <a:buFont typeface="Arial" panose="020B0604020202020204" pitchFamily="34" charset="0"/>
+              <a:buChar char="•"/>
+            </a:pPr>
+            <a:r>
+              <a:rPr lang="es-ES" sz="1400" dirty="0"/>
+              <a:t>Unir los puntos</a:t>
+            </a:r>
+          </a:p>
+          <a:p>
+            <a:pPr marL="85725" indent="-85725">
+              <a:buFont typeface="Arial" panose="020B0604020202020204" pitchFamily="34" charset="0"/>
+              <a:buChar char="•"/>
+            </a:pPr>
+            <a:r>
+              <a:rPr lang="es-ES" sz="1400" dirty="0"/>
+              <a:t>Desarrollar nuevas sinapsis entre conceptos</a:t>
+            </a:r>
+          </a:p>
+          <a:p>
+            <a:pPr marL="85725" indent="-85725">
+              <a:buFont typeface="Arial" panose="020B0604020202020204" pitchFamily="34" charset="0"/>
+              <a:buChar char="•"/>
+            </a:pPr>
+            <a:r>
+              <a:rPr lang="es-ES" sz="1400" dirty="0"/>
+              <a:t>Experimentar, practicar </a:t>
+            </a:r>
+          </a:p>
+          <a:p>
+            <a:pPr marL="85725" indent="-85725">
+              <a:buFont typeface="Arial" panose="020B0604020202020204" pitchFamily="34" charset="0"/>
+              <a:buChar char="•"/>
+            </a:pPr>
+            <a:r>
+              <a:rPr lang="es-ES" sz="1400" dirty="0"/>
+              <a:t>Aprender</a:t>
+            </a:r>
+          </a:p>
+          <a:p>
+            <a:pPr marL="85725" indent="-85725">
+              <a:buFont typeface="Arial" panose="020B0604020202020204" pitchFamily="34" charset="0"/>
+              <a:buChar char="•"/>
+            </a:pPr>
+            <a:r>
+              <a:rPr lang="es-ES" sz="1400" dirty="0"/>
+              <a:t>Apasionarnos</a:t>
+            </a:r>
+            <a:endParaRPr lang="es-MX" sz="1400" dirty="0"/>
+          </a:p>
+        </p:txBody>
+      </p:sp>
+      <p:sp>
+        <p:nvSpPr>
+          <p:cNvPr id="22" name="CuadroTexto 21">
+            <a:extLst>
+              <a:ext uri="{FF2B5EF4-FFF2-40B4-BE49-F238E27FC236}">
+                <a16:creationId xmlns:a16="http://schemas.microsoft.com/office/drawing/2014/main" id="{F2E6CF84-D732-44AD-A0D5-B27F0F1590BA}"/>
+              </a:ext>
+            </a:extLst>
+          </p:cNvPr>
+          <p:cNvSpPr txBox="1"/>
+          <p:nvPr/>
+        </p:nvSpPr>
+        <p:spPr>
+          <a:xfrm>
+            <a:off x="4934317" y="2051575"/>
+            <a:ext cx="2510279" cy="1600438"/>
+          </a:xfrm>
+          <a:prstGeom prst="rect">
+            <a:avLst/>
+          </a:prstGeom>
+          <a:noFill/>
+        </p:spPr>
+        <p:txBody>
+          <a:bodyPr wrap="square" rtlCol="0">
+            <a:spAutoFit/>
+          </a:bodyPr>
+          <a:lstStyle/>
+          <a:p>
+            <a:pPr marL="180975" indent="-180975">
+              <a:buFont typeface="Arial" panose="020B0604020202020204" pitchFamily="34" charset="0"/>
+              <a:buChar char="•"/>
+            </a:pPr>
+            <a:r>
+              <a:rPr lang="es-ES" sz="1400" dirty="0"/>
+              <a:t>Nuevos Lenguajes</a:t>
+            </a:r>
+          </a:p>
+          <a:p>
+            <a:pPr marL="180975" indent="-180975">
+              <a:buFont typeface="Arial" panose="020B0604020202020204" pitchFamily="34" charset="0"/>
+              <a:buChar char="•"/>
+            </a:pPr>
+            <a:r>
+              <a:rPr lang="es-ES" sz="1400" dirty="0"/>
+              <a:t>Bases de datos</a:t>
+            </a:r>
+          </a:p>
+          <a:p>
+            <a:pPr marL="180975" indent="-180975">
+              <a:buFont typeface="Arial" panose="020B0604020202020204" pitchFamily="34" charset="0"/>
+              <a:buChar char="•"/>
+            </a:pPr>
+            <a:r>
+              <a:rPr lang="es-ES" sz="1400" dirty="0"/>
+              <a:t>Gadgets </a:t>
+            </a:r>
+          </a:p>
+          <a:p>
+            <a:pPr marL="180975" indent="-180975">
+              <a:buFont typeface="Arial" panose="020B0604020202020204" pitchFamily="34" charset="0"/>
+              <a:buChar char="•"/>
+            </a:pPr>
+            <a:r>
+              <a:rPr lang="es-ES" sz="1400" dirty="0"/>
+              <a:t>IA</a:t>
+            </a:r>
+          </a:p>
+          <a:p>
+            <a:pPr marL="180975" indent="-180975">
+              <a:buFont typeface="Arial" panose="020B0604020202020204" pitchFamily="34" charset="0"/>
+              <a:buChar char="•"/>
+            </a:pPr>
+            <a:r>
+              <a:rPr lang="es-ES" sz="1400" dirty="0"/>
+              <a:t>AGILE</a:t>
+            </a:r>
+          </a:p>
+          <a:p>
+            <a:pPr marL="285750" indent="-285750">
+              <a:buFont typeface="Arial" panose="020B0604020202020204" pitchFamily="34" charset="0"/>
+              <a:buChar char="•"/>
+            </a:pPr>
+            <a:endParaRPr lang="es-ES" sz="1400" dirty="0"/>
+          </a:p>
+          <a:p>
+            <a:pPr marL="285750" indent="-285750">
+              <a:buFont typeface="Arial" panose="020B0604020202020204" pitchFamily="34" charset="0"/>
+              <a:buChar char="•"/>
+            </a:pPr>
+            <a:endParaRPr lang="es-MX" sz="1400" dirty="0"/>
+          </a:p>
+        </p:txBody>
+      </p:sp>
+      <p:sp>
+        <p:nvSpPr>
+          <p:cNvPr id="32" name="CuadroTexto 31">
+            <a:extLst>
+              <a:ext uri="{FF2B5EF4-FFF2-40B4-BE49-F238E27FC236}">
+                <a16:creationId xmlns:a16="http://schemas.microsoft.com/office/drawing/2014/main" id="{42B3ECE6-F29E-4856-A039-3D59BE38D4B9}"/>
+              </a:ext>
+            </a:extLst>
+          </p:cNvPr>
+          <p:cNvSpPr txBox="1"/>
+          <p:nvPr/>
+        </p:nvSpPr>
+        <p:spPr>
+          <a:xfrm>
+            <a:off x="1406838" y="2051575"/>
+            <a:ext cx="3812876" cy="1600438"/>
+          </a:xfrm>
+          <a:prstGeom prst="rect">
+            <a:avLst/>
+          </a:prstGeom>
+          <a:noFill/>
+        </p:spPr>
+        <p:txBody>
+          <a:bodyPr wrap="square" rtlCol="0">
+            <a:spAutoFit/>
+          </a:bodyPr>
+          <a:lstStyle/>
+          <a:p>
+            <a:pPr marL="180975" indent="-180975">
+              <a:buFont typeface="Arial" panose="020B0604020202020204" pitchFamily="34" charset="0"/>
+              <a:buChar char="•"/>
+            </a:pPr>
+            <a:r>
+              <a:rPr lang="es-ES" sz="1400" dirty="0"/>
+              <a:t>Teoría de Seguros</a:t>
+            </a:r>
+          </a:p>
+          <a:p>
+            <a:pPr marL="180975" indent="-180975">
+              <a:buFont typeface="Arial" panose="020B0604020202020204" pitchFamily="34" charset="0"/>
+              <a:buChar char="•"/>
+            </a:pPr>
+            <a:r>
+              <a:rPr lang="es-ES" sz="1400" dirty="0"/>
+              <a:t>Teoría de Riesgos</a:t>
+            </a:r>
+          </a:p>
+          <a:p>
+            <a:pPr marL="180975" indent="-180975">
+              <a:buFont typeface="Arial" panose="020B0604020202020204" pitchFamily="34" charset="0"/>
+              <a:buChar char="•"/>
+            </a:pPr>
+            <a:r>
+              <a:rPr lang="es-ES" sz="1400" dirty="0"/>
+              <a:t>Estadística</a:t>
+            </a:r>
+          </a:p>
+          <a:p>
+            <a:pPr marL="180975" indent="-180975">
+              <a:buFont typeface="Arial" panose="020B0604020202020204" pitchFamily="34" charset="0"/>
+              <a:buChar char="•"/>
+            </a:pPr>
+            <a:r>
+              <a:rPr lang="es-ES" sz="1400" dirty="0"/>
+              <a:t>Probabilidad</a:t>
+            </a:r>
+          </a:p>
+          <a:p>
+            <a:pPr marL="180975" indent="-180975">
+              <a:buFont typeface="Arial" panose="020B0604020202020204" pitchFamily="34" charset="0"/>
+              <a:buChar char="•"/>
+            </a:pPr>
+            <a:r>
+              <a:rPr lang="es-ES" sz="1400" dirty="0"/>
+              <a:t>Matemáticas financieras</a:t>
+            </a:r>
+          </a:p>
+          <a:p>
+            <a:pPr marL="285750" indent="-285750">
+              <a:buFont typeface="Arial" panose="020B0604020202020204" pitchFamily="34" charset="0"/>
+              <a:buChar char="•"/>
+            </a:pPr>
+            <a:endParaRPr lang="es-ES" sz="1400" dirty="0"/>
+          </a:p>
+          <a:p>
+            <a:pPr marL="285750" indent="-285750">
+              <a:buFont typeface="Arial" panose="020B0604020202020204" pitchFamily="34" charset="0"/>
+              <a:buChar char="•"/>
+            </a:pPr>
+            <a:endParaRPr lang="es-MX" sz="1400" dirty="0"/>
+          </a:p>
+        </p:txBody>
+      </p:sp>
+      <p:pic>
+        <p:nvPicPr>
+          <p:cNvPr id="17" name="Imagen 16">
+            <a:extLst>
+              <a:ext uri="{FF2B5EF4-FFF2-40B4-BE49-F238E27FC236}">
+                <a16:creationId xmlns:a16="http://schemas.microsoft.com/office/drawing/2014/main" id="{9FCDA9BE-CDA2-4342-8A2C-E93236441CD4}"/>
+              </a:ext>
+            </a:extLst>
+          </p:cNvPr>
+          <p:cNvPicPr/>
+          <p:nvPr/>
+        </p:nvPicPr>
+        <p:blipFill rotWithShape="1">
+          <a:blip r:embed="rId3">
+            <a:extLst>
+              <a:ext uri="{28A0092B-C50C-407E-A947-70E740481C1C}">
+                <a14:useLocalDpi xmlns:a14="http://schemas.microsoft.com/office/drawing/2010/main" val="0"/>
+              </a:ext>
+            </a:extLst>
+          </a:blip>
+          <a:srcRect l="-777" t="-1087" r="74224" b="-543"/>
+          <a:stretch/>
+        </p:blipFill>
+        <p:spPr bwMode="auto">
+          <a:xfrm>
+            <a:off x="11794401" y="6426278"/>
+            <a:ext cx="332509" cy="407389"/>
+          </a:xfrm>
+          <a:prstGeom prst="rect">
+            <a:avLst/>
+          </a:prstGeom>
+          <a:noFill/>
+          <a:ln>
+            <a:noFill/>
+          </a:ln>
+        </p:spPr>
+      </p:pic>
+    </p:spTree>
+    <p:extLst>
+      <p:ext uri="{BB962C8B-B14F-4D97-AF65-F5344CB8AC3E}">
+        <p14:creationId xmlns:p14="http://schemas.microsoft.com/office/powerpoint/2010/main" val="978533811"/>
+      </p:ext>
+    </p:extLst>
+  </p:cSld>
+  <p:clrMapOvr>
+    <a:masterClrMapping/>
+  </p:clrMapOvr>
+</p:sld>
+</file>
+
+<file path=ppt/slides/slide35.xml><?xml version="1.0" encoding="utf-8"?>
 <p:sld xmlns:a="http://schemas.openxmlformats.org/drawingml/2006/main" xmlns:r="http://schemas.openxmlformats.org/officeDocument/2006/relationships" xmlns:p="http://schemas.openxmlformats.org/presentationml/2006/main">
   <p:cSld>
     <p:spTree>
@@ -24640,7 +26924,7 @@
 </p:sld>
 </file>
 
-<file path=ppt/slides/slide33.xml><?xml version="1.0" encoding="utf-8"?>
+<file path=ppt/slides/slide36.xml><?xml version="1.0" encoding="utf-8"?>
 <p:sld xmlns:a="http://schemas.openxmlformats.org/drawingml/2006/main" xmlns:r="http://schemas.openxmlformats.org/officeDocument/2006/relationships" xmlns:p="http://schemas.openxmlformats.org/presentationml/2006/main">
   <p:cSld>
     <p:spTree>
@@ -25070,1290 +27354,6 @@
 </p:sld>
 </file>
 
-<file path=ppt/slides/slide34.xml><?xml version="1.0" encoding="utf-8"?>
-<p:sld xmlns:a="http://schemas.openxmlformats.org/drawingml/2006/main" xmlns:r="http://schemas.openxmlformats.org/officeDocument/2006/relationships" xmlns:p="http://schemas.openxmlformats.org/presentationml/2006/main">
-  <p:cSld>
-    <p:spTree>
-      <p:nvGrpSpPr>
-        <p:cNvPr id="1" name=""/>
-        <p:cNvGrpSpPr/>
-        <p:nvPr/>
-      </p:nvGrpSpPr>
-      <p:grpSpPr>
-        <a:xfrm>
-          <a:off x="0" y="0"/>
-          <a:ext cx="0" cy="0"/>
-          <a:chOff x="0" y="0"/>
-          <a:chExt cx="0" cy="0"/>
-        </a:xfrm>
-      </p:grpSpPr>
-      <p:sp>
-        <p:nvSpPr>
-          <p:cNvPr id="4" name="Título 1">
-            <a:extLst>
-              <a:ext uri="{FF2B5EF4-FFF2-40B4-BE49-F238E27FC236}">
-                <a16:creationId xmlns:a16="http://schemas.microsoft.com/office/drawing/2014/main" id="{B663F35C-7716-41C1-91C4-7B9124E91ADD}"/>
-              </a:ext>
-            </a:extLst>
-          </p:cNvPr>
-          <p:cNvSpPr>
-            <a:spLocks noGrp="1"/>
-          </p:cNvSpPr>
-          <p:nvPr>
-            <p:ph type="title"/>
-          </p:nvPr>
-        </p:nvSpPr>
-        <p:spPr>
-          <a:xfrm>
-            <a:off x="1870365" y="3990108"/>
-            <a:ext cx="9836728" cy="2369127"/>
-          </a:xfrm>
-          <a:solidFill>
-            <a:schemeClr val="accent1">
-              <a:lumMod val="50000"/>
-            </a:schemeClr>
-          </a:solidFill>
-        </p:spPr>
-        <p:txBody>
-          <a:bodyPr rtlCol="0">
-            <a:normAutofit/>
-          </a:bodyPr>
-          <a:lstStyle/>
-          <a:p>
-            <a:pPr algn="r" rtl="0"/>
-            <a:r>
-              <a:rPr lang="es-ES" dirty="0">
-                <a:solidFill>
-                  <a:schemeClr val="accent4">
-                    <a:lumMod val="60000"/>
-                    <a:lumOff val="40000"/>
-                  </a:schemeClr>
-                </a:solidFill>
-              </a:rPr>
-              <a:t>El reto de las tasas de interés bajas</a:t>
-            </a:r>
-          </a:p>
-        </p:txBody>
-      </p:sp>
-      <p:sp>
-        <p:nvSpPr>
-          <p:cNvPr id="5" name="Título 1">
-            <a:extLst>
-              <a:ext uri="{FF2B5EF4-FFF2-40B4-BE49-F238E27FC236}">
-                <a16:creationId xmlns:a16="http://schemas.microsoft.com/office/drawing/2014/main" id="{33415841-90E0-4ED8-8F02-6EEDE8974736}"/>
-              </a:ext>
-            </a:extLst>
-          </p:cNvPr>
-          <p:cNvSpPr txBox="1">
-            <a:spLocks/>
-          </p:cNvSpPr>
-          <p:nvPr/>
-        </p:nvSpPr>
-        <p:spPr>
-          <a:xfrm>
-            <a:off x="1870365" y="2660071"/>
-            <a:ext cx="9836728" cy="1080655"/>
-          </a:xfrm>
-          <a:prstGeom prst="rect">
-            <a:avLst/>
-          </a:prstGeom>
-          <a:solidFill>
-            <a:schemeClr val="accent1">
-              <a:lumMod val="50000"/>
-            </a:schemeClr>
-          </a:solidFill>
-        </p:spPr>
-        <p:txBody>
-          <a:bodyPr vert="horz" lIns="91440" tIns="45720" rIns="91440" bIns="45720" rtlCol="0" anchor="ctr">
-            <a:normAutofit/>
-          </a:bodyPr>
-          <a:lstStyle>
-            <a:lvl1pPr algn="l" defTabSz="914400" rtl="0" eaLnBrk="1" latinLnBrk="0" hangingPunct="1">
-              <a:lnSpc>
-                <a:spcPct val="90000"/>
-              </a:lnSpc>
-              <a:spcBef>
-                <a:spcPct val="0"/>
-              </a:spcBef>
-              <a:buNone/>
-              <a:defRPr sz="4400" kern="1200">
-                <a:solidFill>
-                  <a:schemeClr val="tx1"/>
-                </a:solidFill>
-                <a:latin typeface="+mj-lt"/>
-                <a:ea typeface="+mj-ea"/>
-                <a:cs typeface="+mj-cs"/>
-              </a:defRPr>
-            </a:lvl1pPr>
-          </a:lstStyle>
-          <a:p>
-            <a:r>
-              <a:rPr lang="es-ES" dirty="0">
-                <a:solidFill>
-                  <a:schemeClr val="bg1">
-                    <a:lumMod val="95000"/>
-                  </a:schemeClr>
-                </a:solidFill>
-              </a:rPr>
-              <a:t>Unidad 5</a:t>
-            </a:r>
-            <a:endParaRPr lang="es-ES" sz="1600" dirty="0">
-              <a:solidFill>
-                <a:schemeClr val="bg1">
-                  <a:lumMod val="95000"/>
-                </a:schemeClr>
-              </a:solidFill>
-            </a:endParaRPr>
-          </a:p>
-        </p:txBody>
-      </p:sp>
-      <p:pic>
-        <p:nvPicPr>
-          <p:cNvPr id="6" name="Imagen 5">
-            <a:extLst>
-              <a:ext uri="{FF2B5EF4-FFF2-40B4-BE49-F238E27FC236}">
-                <a16:creationId xmlns:a16="http://schemas.microsoft.com/office/drawing/2014/main" id="{F3F92809-85CA-4EC8-9C38-3DC0E36E8797}"/>
-              </a:ext>
-            </a:extLst>
-          </p:cNvPr>
-          <p:cNvPicPr>
-            <a:picLocks noChangeAspect="1"/>
-          </p:cNvPicPr>
-          <p:nvPr/>
-        </p:nvPicPr>
-        <p:blipFill>
-          <a:blip r:embed="rId2">
-            <a:extLst>
-              <a:ext uri="{28A0092B-C50C-407E-A947-70E740481C1C}">
-                <a14:useLocalDpi xmlns:a14="http://schemas.microsoft.com/office/drawing/2010/main" val="0"/>
-              </a:ext>
-            </a:extLst>
-          </a:blip>
-          <a:stretch>
-            <a:fillRect/>
-          </a:stretch>
-        </p:blipFill>
-        <p:spPr>
-          <a:xfrm>
-            <a:off x="622725" y="498765"/>
-            <a:ext cx="4268454" cy="1363723"/>
-          </a:xfrm>
-          <a:prstGeom prst="rect">
-            <a:avLst/>
-          </a:prstGeom>
-        </p:spPr>
-      </p:pic>
-    </p:spTree>
-    <p:extLst>
-      <p:ext uri="{BB962C8B-B14F-4D97-AF65-F5344CB8AC3E}">
-        <p14:creationId xmlns:p14="http://schemas.microsoft.com/office/powerpoint/2010/main" val="1698222251"/>
-      </p:ext>
-    </p:extLst>
-  </p:cSld>
-  <p:clrMapOvr>
-    <a:masterClrMapping/>
-  </p:clrMapOvr>
-</p:sld>
-</file>
-
-<file path=ppt/slides/slide35.xml><?xml version="1.0" encoding="utf-8"?>
-<p:sld xmlns:a="http://schemas.openxmlformats.org/drawingml/2006/main" xmlns:r="http://schemas.openxmlformats.org/officeDocument/2006/relationships" xmlns:p="http://schemas.openxmlformats.org/presentationml/2006/main">
-  <p:cSld>
-    <p:spTree>
-      <p:nvGrpSpPr>
-        <p:cNvPr id="1" name=""/>
-        <p:cNvGrpSpPr/>
-        <p:nvPr/>
-      </p:nvGrpSpPr>
-      <p:grpSpPr>
-        <a:xfrm>
-          <a:off x="0" y="0"/>
-          <a:ext cx="0" cy="0"/>
-          <a:chOff x="0" y="0"/>
-          <a:chExt cx="0" cy="0"/>
-        </a:xfrm>
-      </p:grpSpPr>
-      <p:sp>
-        <p:nvSpPr>
-          <p:cNvPr id="2" name="Título 1">
-            <a:extLst>
-              <a:ext uri="{FF2B5EF4-FFF2-40B4-BE49-F238E27FC236}">
-                <a16:creationId xmlns:a16="http://schemas.microsoft.com/office/drawing/2014/main" id="{9633C7E1-80D0-4182-BAD0-6A326E0C15CA}"/>
-              </a:ext>
-            </a:extLst>
-          </p:cNvPr>
-          <p:cNvSpPr>
-            <a:spLocks noGrp="1"/>
-          </p:cNvSpPr>
-          <p:nvPr>
-            <p:ph type="title"/>
-          </p:nvPr>
-        </p:nvSpPr>
-        <p:spPr>
-          <a:xfrm>
-            <a:off x="491837" y="18255"/>
-            <a:ext cx="10515600" cy="1325563"/>
-          </a:xfrm>
-        </p:spPr>
-        <p:txBody>
-          <a:bodyPr/>
-          <a:lstStyle/>
-          <a:p>
-            <a:r>
-              <a:rPr lang="es-ES" dirty="0"/>
-              <a:t>Entorno para el desarrollo de modelos</a:t>
-            </a:r>
-            <a:endParaRPr lang="es-MX" dirty="0"/>
-          </a:p>
-        </p:txBody>
-      </p:sp>
-      <p:sp>
-        <p:nvSpPr>
-          <p:cNvPr id="3" name="Marcador de contenido 2">
-            <a:extLst>
-              <a:ext uri="{FF2B5EF4-FFF2-40B4-BE49-F238E27FC236}">
-                <a16:creationId xmlns:a16="http://schemas.microsoft.com/office/drawing/2014/main" id="{706F8739-61AD-4254-9FBF-EAD99920855A}"/>
-              </a:ext>
-            </a:extLst>
-          </p:cNvPr>
-          <p:cNvSpPr>
-            <a:spLocks noGrp="1"/>
-          </p:cNvSpPr>
-          <p:nvPr>
-            <p:ph idx="1"/>
-          </p:nvPr>
-        </p:nvSpPr>
-        <p:spPr>
-          <a:xfrm>
-            <a:off x="838200" y="1177636"/>
-            <a:ext cx="10515600" cy="4999327"/>
-          </a:xfrm>
-        </p:spPr>
-        <p:txBody>
-          <a:bodyPr>
-            <a:normAutofit/>
-          </a:bodyPr>
-          <a:lstStyle/>
-          <a:p>
-            <a:r>
-              <a:rPr lang="es-ES" sz="1800" dirty="0"/>
-              <a:t>Necesidad de proyectar flujos de efectivo en un entorno incierto y de largo plazo,</a:t>
-            </a:r>
-          </a:p>
-          <a:p>
-            <a:endParaRPr lang="es-ES" sz="1800" dirty="0"/>
-          </a:p>
-          <a:p>
-            <a:r>
-              <a:rPr lang="es-ES" sz="1800" dirty="0"/>
-              <a:t> Objetivos múltiples  </a:t>
-            </a:r>
-          </a:p>
-          <a:p>
-            <a:pPr lvl="1"/>
-            <a:r>
-              <a:rPr lang="es-ES" sz="1600" dirty="0"/>
-              <a:t>Minimiza el riesgo de insolvencia, </a:t>
-            </a:r>
-          </a:p>
-          <a:p>
-            <a:pPr lvl="1"/>
-            <a:r>
-              <a:rPr lang="es-ES" sz="1600" dirty="0"/>
-              <a:t>Cumplir con la oferta a contratante/asegurado, </a:t>
-            </a:r>
-          </a:p>
-          <a:p>
-            <a:pPr lvl="1"/>
-            <a:r>
-              <a:rPr lang="es-ES" sz="1600" dirty="0"/>
-              <a:t>constituye una red de distribución sólida, </a:t>
-            </a:r>
-          </a:p>
-          <a:p>
-            <a:pPr lvl="1"/>
-            <a:r>
-              <a:rPr lang="es-ES" sz="1600" dirty="0"/>
-              <a:t>retribuye al accionista de forma adecuada por el capital y el riesgo que está asumiendo </a:t>
-            </a:r>
-          </a:p>
-          <a:p>
-            <a:pPr lvl="1"/>
-            <a:r>
-              <a:rPr lang="es-ES" sz="1600" dirty="0"/>
-              <a:t>Construye una operación sólida y flexible para aprovechar las oportunidades del mercado. </a:t>
-            </a:r>
-          </a:p>
-          <a:p>
-            <a:endParaRPr lang="es-ES" sz="1800" dirty="0"/>
-          </a:p>
-          <a:p>
-            <a:r>
-              <a:rPr lang="es-ES" sz="1800" dirty="0"/>
-              <a:t>Indicadores  escasos, divergentes y complejos</a:t>
-            </a:r>
-          </a:p>
-          <a:p>
-            <a:endParaRPr lang="es-ES" sz="1800" dirty="0"/>
-          </a:p>
-          <a:p>
-            <a:r>
-              <a:rPr lang="es-ES" sz="1800" dirty="0"/>
-              <a:t>Alternativas </a:t>
-            </a:r>
-          </a:p>
-          <a:p>
-            <a:pPr lvl="1"/>
-            <a:r>
-              <a:rPr lang="es-ES" sz="1400" dirty="0"/>
-              <a:t>Conocimientos especializados (finanzas, riesgos, seguros, tecnología) </a:t>
-            </a:r>
-          </a:p>
-          <a:p>
-            <a:pPr lvl="1"/>
-            <a:r>
-              <a:rPr lang="es-ES" sz="1400" dirty="0"/>
-              <a:t>Soluciones  puntuales Problemas dinámicos               Necesidad de seguimiento y reevaluación</a:t>
-            </a:r>
-          </a:p>
-          <a:p>
-            <a:pPr lvl="1"/>
-            <a:r>
-              <a:rPr lang="es-ES" sz="1400" dirty="0"/>
-              <a:t>Herramientas en construcción</a:t>
-            </a:r>
-            <a:endParaRPr lang="es-MX" sz="1400" dirty="0"/>
-          </a:p>
-        </p:txBody>
-      </p:sp>
-      <p:pic>
-        <p:nvPicPr>
-          <p:cNvPr id="4" name="Imagen 3">
-            <a:extLst>
-              <a:ext uri="{FF2B5EF4-FFF2-40B4-BE49-F238E27FC236}">
-                <a16:creationId xmlns:a16="http://schemas.microsoft.com/office/drawing/2014/main" id="{C5F24D03-1D34-41E0-9921-81BAB301A71E}"/>
-              </a:ext>
-            </a:extLst>
-          </p:cNvPr>
-          <p:cNvPicPr/>
-          <p:nvPr/>
-        </p:nvPicPr>
-        <p:blipFill rotWithShape="1">
-          <a:blip r:embed="rId3">
-            <a:extLst>
-              <a:ext uri="{28A0092B-C50C-407E-A947-70E740481C1C}">
-                <a14:useLocalDpi xmlns:a14="http://schemas.microsoft.com/office/drawing/2010/main" val="0"/>
-              </a:ext>
-            </a:extLst>
-          </a:blip>
-          <a:srcRect l="-777" t="-1087" r="74224" b="-543"/>
-          <a:stretch/>
-        </p:blipFill>
-        <p:spPr bwMode="auto">
-          <a:xfrm>
-            <a:off x="11794401" y="6426278"/>
-            <a:ext cx="332509" cy="407389"/>
-          </a:xfrm>
-          <a:prstGeom prst="rect">
-            <a:avLst/>
-          </a:prstGeom>
-          <a:noFill/>
-          <a:ln>
-            <a:noFill/>
-          </a:ln>
-        </p:spPr>
-      </p:pic>
-    </p:spTree>
-    <p:extLst>
-      <p:ext uri="{BB962C8B-B14F-4D97-AF65-F5344CB8AC3E}">
-        <p14:creationId xmlns:p14="http://schemas.microsoft.com/office/powerpoint/2010/main" val="4073404585"/>
-      </p:ext>
-    </p:extLst>
-  </p:cSld>
-  <p:clrMapOvr>
-    <a:masterClrMapping/>
-  </p:clrMapOvr>
-</p:sld>
-</file>
-
-<file path=ppt/slides/slide36.xml><?xml version="1.0" encoding="utf-8"?>
-<p:sld xmlns:a="http://schemas.openxmlformats.org/drawingml/2006/main" xmlns:r="http://schemas.openxmlformats.org/officeDocument/2006/relationships" xmlns:p="http://schemas.openxmlformats.org/presentationml/2006/main">
-  <p:cSld>
-    <p:spTree>
-      <p:nvGrpSpPr>
-        <p:cNvPr id="1" name=""/>
-        <p:cNvGrpSpPr/>
-        <p:nvPr/>
-      </p:nvGrpSpPr>
-      <p:grpSpPr>
-        <a:xfrm>
-          <a:off x="0" y="0"/>
-          <a:ext cx="0" cy="0"/>
-          <a:chOff x="0" y="0"/>
-          <a:chExt cx="0" cy="0"/>
-        </a:xfrm>
-      </p:grpSpPr>
-      <p:grpSp>
-        <p:nvGrpSpPr>
-          <p:cNvPr id="30" name="Grupo 29">
-            <a:extLst>
-              <a:ext uri="{FF2B5EF4-FFF2-40B4-BE49-F238E27FC236}">
-                <a16:creationId xmlns:a16="http://schemas.microsoft.com/office/drawing/2014/main" id="{4C7E1678-3785-4EFC-9291-7A662097ACE8}"/>
-              </a:ext>
-            </a:extLst>
-          </p:cNvPr>
-          <p:cNvGrpSpPr/>
-          <p:nvPr/>
-        </p:nvGrpSpPr>
-        <p:grpSpPr>
-          <a:xfrm rot="3158018">
-            <a:off x="2686379" y="1676776"/>
-            <a:ext cx="4153714" cy="3382457"/>
-            <a:chOff x="7829903" y="2987752"/>
-            <a:chExt cx="2874588" cy="2073454"/>
-          </a:xfrm>
-        </p:grpSpPr>
-        <p:sp>
-          <p:nvSpPr>
-            <p:cNvPr id="24" name="Flecha: a la derecha 23">
-              <a:extLst>
-                <a:ext uri="{FF2B5EF4-FFF2-40B4-BE49-F238E27FC236}">
-                  <a16:creationId xmlns:a16="http://schemas.microsoft.com/office/drawing/2014/main" id="{8405354D-400D-4145-81FB-AA4B1FD143A6}"/>
-                </a:ext>
-              </a:extLst>
-            </p:cNvPr>
-            <p:cNvSpPr/>
-            <p:nvPr/>
-          </p:nvSpPr>
-          <p:spPr>
-            <a:xfrm rot="14908263">
-              <a:off x="8456719" y="3439519"/>
-              <a:ext cx="1538554" cy="635019"/>
-            </a:xfrm>
-            <a:prstGeom prst="rightArrow">
-              <a:avLst/>
-            </a:prstGeom>
-            <a:ln>
-              <a:noFill/>
-            </a:ln>
-          </p:spPr>
-          <p:style>
-            <a:lnRef idx="2">
-              <a:schemeClr val="accent1">
-                <a:shade val="50000"/>
-              </a:schemeClr>
-            </a:lnRef>
-            <a:fillRef idx="1">
-              <a:schemeClr val="accent1"/>
-            </a:fillRef>
-            <a:effectRef idx="0">
-              <a:schemeClr val="accent1"/>
-            </a:effectRef>
-            <a:fontRef idx="minor">
-              <a:schemeClr val="lt1"/>
-            </a:fontRef>
-          </p:style>
-          <p:txBody>
-            <a:bodyPr rtlCol="0" anchor="ctr"/>
-            <a:lstStyle/>
-            <a:p>
-              <a:pPr algn="ctr"/>
-              <a:endParaRPr lang="es-MX"/>
-            </a:p>
-          </p:txBody>
-        </p:sp>
-        <p:sp>
-          <p:nvSpPr>
-            <p:cNvPr id="26" name="Flecha: a la derecha 25">
-              <a:extLst>
-                <a:ext uri="{FF2B5EF4-FFF2-40B4-BE49-F238E27FC236}">
-                  <a16:creationId xmlns:a16="http://schemas.microsoft.com/office/drawing/2014/main" id="{C0848914-BE80-4E19-B298-5BECC6E84AC4}"/>
-                </a:ext>
-              </a:extLst>
-            </p:cNvPr>
-            <p:cNvSpPr/>
-            <p:nvPr/>
-          </p:nvSpPr>
-          <p:spPr>
-            <a:xfrm rot="11300628">
-              <a:off x="7829903" y="4111285"/>
-              <a:ext cx="1703404" cy="565475"/>
-            </a:xfrm>
-            <a:prstGeom prst="rightArrow">
-              <a:avLst/>
-            </a:prstGeom>
-            <a:ln>
-              <a:noFill/>
-            </a:ln>
-          </p:spPr>
-          <p:style>
-            <a:lnRef idx="2">
-              <a:schemeClr val="accent1">
-                <a:shade val="50000"/>
-              </a:schemeClr>
-            </a:lnRef>
-            <a:fillRef idx="1">
-              <a:schemeClr val="accent1"/>
-            </a:fillRef>
-            <a:effectRef idx="0">
-              <a:schemeClr val="accent1"/>
-            </a:effectRef>
-            <a:fontRef idx="minor">
-              <a:schemeClr val="lt1"/>
-            </a:fontRef>
-          </p:style>
-          <p:txBody>
-            <a:bodyPr rtlCol="0" anchor="ctr"/>
-            <a:lstStyle/>
-            <a:p>
-              <a:pPr algn="ctr"/>
-              <a:endParaRPr lang="es-MX"/>
-            </a:p>
-          </p:txBody>
-        </p:sp>
-        <p:sp>
-          <p:nvSpPr>
-            <p:cNvPr id="28" name="Flecha: a la derecha 27">
-              <a:extLst>
-                <a:ext uri="{FF2B5EF4-FFF2-40B4-BE49-F238E27FC236}">
-                  <a16:creationId xmlns:a16="http://schemas.microsoft.com/office/drawing/2014/main" id="{B97FE89A-CF39-4A19-B686-88A64AD12F2B}"/>
-                </a:ext>
-              </a:extLst>
-            </p:cNvPr>
-            <p:cNvSpPr/>
-            <p:nvPr/>
-          </p:nvSpPr>
-          <p:spPr>
-            <a:xfrm rot="2228451">
-              <a:off x="9201972" y="4471479"/>
-              <a:ext cx="1502519" cy="589727"/>
-            </a:xfrm>
-            <a:prstGeom prst="rightArrow">
-              <a:avLst/>
-            </a:prstGeom>
-            <a:ln>
-              <a:noFill/>
-            </a:ln>
-          </p:spPr>
-          <p:style>
-            <a:lnRef idx="2">
-              <a:schemeClr val="accent1">
-                <a:shade val="50000"/>
-              </a:schemeClr>
-            </a:lnRef>
-            <a:fillRef idx="1">
-              <a:schemeClr val="accent1"/>
-            </a:fillRef>
-            <a:effectRef idx="0">
-              <a:schemeClr val="accent1"/>
-            </a:effectRef>
-            <a:fontRef idx="minor">
-              <a:schemeClr val="lt1"/>
-            </a:fontRef>
-          </p:style>
-          <p:txBody>
-            <a:bodyPr rtlCol="0" anchor="ctr"/>
-            <a:lstStyle/>
-            <a:p>
-              <a:pPr algn="ctr"/>
-              <a:endParaRPr lang="es-MX"/>
-            </a:p>
-          </p:txBody>
-        </p:sp>
-      </p:grpSp>
-      <p:sp>
-        <p:nvSpPr>
-          <p:cNvPr id="6" name="Título 1">
-            <a:extLst>
-              <a:ext uri="{FF2B5EF4-FFF2-40B4-BE49-F238E27FC236}">
-                <a16:creationId xmlns:a16="http://schemas.microsoft.com/office/drawing/2014/main" id="{005F194D-1FC1-42A3-9AA0-8ABAD2A48634}"/>
-              </a:ext>
-            </a:extLst>
-          </p:cNvPr>
-          <p:cNvSpPr>
-            <a:spLocks noGrp="1"/>
-          </p:cNvSpPr>
-          <p:nvPr>
-            <p:ph type="title"/>
-          </p:nvPr>
-        </p:nvSpPr>
-        <p:spPr>
-          <a:xfrm>
-            <a:off x="838200" y="365126"/>
-            <a:ext cx="10515600" cy="826366"/>
-          </a:xfrm>
-          <a:solidFill>
-            <a:schemeClr val="accent1">
-              <a:lumMod val="50000"/>
-            </a:schemeClr>
-          </a:solidFill>
-        </p:spPr>
-        <p:txBody>
-          <a:bodyPr>
-            <a:normAutofit fontScale="90000"/>
-          </a:bodyPr>
-          <a:lstStyle/>
-          <a:p>
-            <a:r>
-              <a:rPr lang="es-ES" sz="3200" dirty="0">
-                <a:solidFill>
-                  <a:schemeClr val="bg1">
-                    <a:lumMod val="95000"/>
-                  </a:schemeClr>
-                </a:solidFill>
-              </a:rPr>
-              <a:t>Modelos Actuariales, mas que una encrucijada una intersección…</a:t>
-            </a:r>
-            <a:endParaRPr lang="es-MX" sz="3200" dirty="0">
-              <a:solidFill>
-                <a:schemeClr val="bg1">
-                  <a:lumMod val="95000"/>
-                </a:schemeClr>
-              </a:solidFill>
-            </a:endParaRPr>
-          </a:p>
-        </p:txBody>
-      </p:sp>
-      <p:sp>
-        <p:nvSpPr>
-          <p:cNvPr id="7" name="Elipse 6">
-            <a:extLst>
-              <a:ext uri="{FF2B5EF4-FFF2-40B4-BE49-F238E27FC236}">
-                <a16:creationId xmlns:a16="http://schemas.microsoft.com/office/drawing/2014/main" id="{63EAEDEE-8707-4038-AAC9-91E12693AC38}"/>
-              </a:ext>
-            </a:extLst>
-          </p:cNvPr>
-          <p:cNvSpPr/>
-          <p:nvPr/>
-        </p:nvSpPr>
-        <p:spPr>
-          <a:xfrm>
-            <a:off x="848271" y="1414733"/>
-            <a:ext cx="3994030" cy="3502324"/>
-          </a:xfrm>
-          <a:prstGeom prst="ellipse">
-            <a:avLst/>
-          </a:prstGeom>
-          <a:solidFill>
-            <a:srgbClr val="0070C0">
-              <a:alpha val="41176"/>
-            </a:srgbClr>
-          </a:solidFill>
-          <a:ln>
-            <a:solidFill>
-              <a:srgbClr val="0070C0"/>
-            </a:solidFill>
-          </a:ln>
-        </p:spPr>
-        <p:style>
-          <a:lnRef idx="2">
-            <a:schemeClr val="accent1">
-              <a:shade val="50000"/>
-            </a:schemeClr>
-          </a:lnRef>
-          <a:fillRef idx="1">
-            <a:schemeClr val="accent1"/>
-          </a:fillRef>
-          <a:effectRef idx="0">
-            <a:schemeClr val="accent1"/>
-          </a:effectRef>
-          <a:fontRef idx="minor">
-            <a:schemeClr val="lt1"/>
-          </a:fontRef>
-        </p:style>
-        <p:txBody>
-          <a:bodyPr rtlCol="0" anchor="ctr"/>
-          <a:lstStyle/>
-          <a:p>
-            <a:pPr algn="ctr"/>
-            <a:endParaRPr lang="es-MX"/>
-          </a:p>
-        </p:txBody>
-      </p:sp>
-      <p:sp>
-        <p:nvSpPr>
-          <p:cNvPr id="11" name="Elipse 10">
-            <a:extLst>
-              <a:ext uri="{FF2B5EF4-FFF2-40B4-BE49-F238E27FC236}">
-                <a16:creationId xmlns:a16="http://schemas.microsoft.com/office/drawing/2014/main" id="{FF2547FF-633D-4693-A0CF-FCFF107DB393}"/>
-              </a:ext>
-            </a:extLst>
-          </p:cNvPr>
-          <p:cNvSpPr/>
-          <p:nvPr/>
-        </p:nvSpPr>
-        <p:spPr>
-          <a:xfrm>
-            <a:off x="3896183" y="1506213"/>
-            <a:ext cx="3994030" cy="3502324"/>
-          </a:xfrm>
-          <a:prstGeom prst="ellipse">
-            <a:avLst/>
-          </a:prstGeom>
-          <a:solidFill>
-            <a:schemeClr val="accent2">
-              <a:lumMod val="60000"/>
-              <a:lumOff val="40000"/>
-              <a:alpha val="41176"/>
-            </a:schemeClr>
-          </a:solidFill>
-          <a:ln>
-            <a:solidFill>
-              <a:schemeClr val="accent2">
-                <a:lumMod val="75000"/>
-              </a:schemeClr>
-            </a:solidFill>
-          </a:ln>
-        </p:spPr>
-        <p:style>
-          <a:lnRef idx="2">
-            <a:schemeClr val="accent1">
-              <a:shade val="50000"/>
-            </a:schemeClr>
-          </a:lnRef>
-          <a:fillRef idx="1">
-            <a:schemeClr val="accent1"/>
-          </a:fillRef>
-          <a:effectRef idx="0">
-            <a:schemeClr val="accent1"/>
-          </a:effectRef>
-          <a:fontRef idx="minor">
-            <a:schemeClr val="lt1"/>
-          </a:fontRef>
-        </p:style>
-        <p:txBody>
-          <a:bodyPr rtlCol="0" anchor="ctr"/>
-          <a:lstStyle/>
-          <a:p>
-            <a:pPr algn="ctr"/>
-            <a:endParaRPr lang="es-MX"/>
-          </a:p>
-        </p:txBody>
-      </p:sp>
-      <p:sp>
-        <p:nvSpPr>
-          <p:cNvPr id="13" name="Elipse 12">
-            <a:extLst>
-              <a:ext uri="{FF2B5EF4-FFF2-40B4-BE49-F238E27FC236}">
-                <a16:creationId xmlns:a16="http://schemas.microsoft.com/office/drawing/2014/main" id="{7C1C4EB4-6FED-4482-8BDC-3CE4109371A9}"/>
-              </a:ext>
-            </a:extLst>
-          </p:cNvPr>
-          <p:cNvSpPr/>
-          <p:nvPr/>
-        </p:nvSpPr>
-        <p:spPr>
-          <a:xfrm>
-            <a:off x="2385211" y="3062378"/>
-            <a:ext cx="3994030" cy="3502324"/>
-          </a:xfrm>
-          <a:prstGeom prst="ellipse">
-            <a:avLst/>
-          </a:prstGeom>
-          <a:solidFill>
-            <a:schemeClr val="accent4">
-              <a:lumMod val="60000"/>
-              <a:lumOff val="40000"/>
-              <a:alpha val="40000"/>
-            </a:schemeClr>
-          </a:solidFill>
-          <a:ln>
-            <a:solidFill>
-              <a:schemeClr val="accent4">
-                <a:lumMod val="60000"/>
-                <a:lumOff val="40000"/>
-              </a:schemeClr>
-            </a:solidFill>
-          </a:ln>
-        </p:spPr>
-        <p:style>
-          <a:lnRef idx="2">
-            <a:schemeClr val="accent1">
-              <a:shade val="50000"/>
-            </a:schemeClr>
-          </a:lnRef>
-          <a:fillRef idx="1">
-            <a:schemeClr val="accent1"/>
-          </a:fillRef>
-          <a:effectRef idx="0">
-            <a:schemeClr val="accent1"/>
-          </a:effectRef>
-          <a:fontRef idx="minor">
-            <a:schemeClr val="lt1"/>
-          </a:fontRef>
-        </p:style>
-        <p:txBody>
-          <a:bodyPr rtlCol="0" anchor="ctr"/>
-          <a:lstStyle/>
-          <a:p>
-            <a:pPr algn="ctr"/>
-            <a:endParaRPr lang="es-MX"/>
-          </a:p>
-        </p:txBody>
-      </p:sp>
-      <p:sp>
-        <p:nvSpPr>
-          <p:cNvPr id="14" name="CuadroTexto 13">
-            <a:extLst>
-              <a:ext uri="{FF2B5EF4-FFF2-40B4-BE49-F238E27FC236}">
-                <a16:creationId xmlns:a16="http://schemas.microsoft.com/office/drawing/2014/main" id="{E93F59E5-0ECF-4E3B-976D-3147BDE9B683}"/>
-              </a:ext>
-            </a:extLst>
-          </p:cNvPr>
-          <p:cNvSpPr txBox="1"/>
-          <p:nvPr/>
-        </p:nvSpPr>
-        <p:spPr>
-          <a:xfrm>
-            <a:off x="2215558" y="1561381"/>
-            <a:ext cx="1259456" cy="369332"/>
-          </a:xfrm>
-          <a:prstGeom prst="rect">
-            <a:avLst/>
-          </a:prstGeom>
-          <a:noFill/>
-        </p:spPr>
-        <p:txBody>
-          <a:bodyPr wrap="square" rtlCol="0">
-            <a:spAutoFit/>
-          </a:bodyPr>
-          <a:lstStyle/>
-          <a:p>
-            <a:pPr algn="ctr"/>
-            <a:r>
-              <a:rPr lang="es-ES" dirty="0"/>
-              <a:t>CIENCIA</a:t>
-            </a:r>
-            <a:endParaRPr lang="es-MX" dirty="0"/>
-          </a:p>
-        </p:txBody>
-      </p:sp>
-      <p:sp>
-        <p:nvSpPr>
-          <p:cNvPr id="16" name="CuadroTexto 15">
-            <a:extLst>
-              <a:ext uri="{FF2B5EF4-FFF2-40B4-BE49-F238E27FC236}">
-                <a16:creationId xmlns:a16="http://schemas.microsoft.com/office/drawing/2014/main" id="{25A74503-5FC7-4200-9711-9B27FEEBBDE4}"/>
-              </a:ext>
-            </a:extLst>
-          </p:cNvPr>
-          <p:cNvSpPr txBox="1"/>
-          <p:nvPr/>
-        </p:nvSpPr>
-        <p:spPr>
-          <a:xfrm>
-            <a:off x="5166511" y="1561381"/>
-            <a:ext cx="1505310" cy="369332"/>
-          </a:xfrm>
-          <a:prstGeom prst="rect">
-            <a:avLst/>
-          </a:prstGeom>
-          <a:noFill/>
-        </p:spPr>
-        <p:txBody>
-          <a:bodyPr wrap="square" rtlCol="0">
-            <a:spAutoFit/>
-          </a:bodyPr>
-          <a:lstStyle/>
-          <a:p>
-            <a:pPr algn="ctr"/>
-            <a:r>
-              <a:rPr lang="es-ES" dirty="0"/>
-              <a:t>TECNOLOGIA</a:t>
-            </a:r>
-            <a:endParaRPr lang="es-MX" dirty="0"/>
-          </a:p>
-        </p:txBody>
-      </p:sp>
-      <p:sp>
-        <p:nvSpPr>
-          <p:cNvPr id="18" name="CuadroTexto 17">
-            <a:extLst>
-              <a:ext uri="{FF2B5EF4-FFF2-40B4-BE49-F238E27FC236}">
-                <a16:creationId xmlns:a16="http://schemas.microsoft.com/office/drawing/2014/main" id="{B4325C4B-4CCC-4E73-B1BB-1E478A662149}"/>
-              </a:ext>
-            </a:extLst>
-          </p:cNvPr>
-          <p:cNvSpPr txBox="1"/>
-          <p:nvPr/>
-        </p:nvSpPr>
-        <p:spPr>
-          <a:xfrm>
-            <a:off x="3661201" y="6113311"/>
-            <a:ext cx="1505310" cy="369332"/>
-          </a:xfrm>
-          <a:prstGeom prst="rect">
-            <a:avLst/>
-          </a:prstGeom>
-          <a:noFill/>
-        </p:spPr>
-        <p:txBody>
-          <a:bodyPr wrap="square" rtlCol="0">
-            <a:spAutoFit/>
-          </a:bodyPr>
-          <a:lstStyle/>
-          <a:p>
-            <a:pPr algn="ctr"/>
-            <a:r>
-              <a:rPr lang="es-ES" dirty="0"/>
-              <a:t>ARTE</a:t>
-            </a:r>
-            <a:endParaRPr lang="es-MX" dirty="0"/>
-          </a:p>
-        </p:txBody>
-      </p:sp>
-      <p:sp>
-        <p:nvSpPr>
-          <p:cNvPr id="19" name="CuadroTexto 18">
-            <a:extLst>
-              <a:ext uri="{FF2B5EF4-FFF2-40B4-BE49-F238E27FC236}">
-                <a16:creationId xmlns:a16="http://schemas.microsoft.com/office/drawing/2014/main" id="{001752EB-681F-49FA-B462-659FC89CA6F3}"/>
-              </a:ext>
-            </a:extLst>
-          </p:cNvPr>
-          <p:cNvSpPr txBox="1"/>
-          <p:nvPr/>
-        </p:nvSpPr>
-        <p:spPr>
-          <a:xfrm>
-            <a:off x="8333117" y="1846053"/>
-            <a:ext cx="3260785" cy="646331"/>
-          </a:xfrm>
-          <a:prstGeom prst="rect">
-            <a:avLst/>
-          </a:prstGeom>
-          <a:noFill/>
-        </p:spPr>
-        <p:txBody>
-          <a:bodyPr wrap="square" rtlCol="0">
-            <a:spAutoFit/>
-          </a:bodyPr>
-          <a:lstStyle/>
-          <a:p>
-            <a:r>
-              <a:rPr lang="es-ES" dirty="0"/>
-              <a:t>No debemos optar por uno o dos de estos elementos</a:t>
-            </a:r>
-            <a:endParaRPr lang="es-MX" dirty="0"/>
-          </a:p>
-        </p:txBody>
-      </p:sp>
-      <p:sp>
-        <p:nvSpPr>
-          <p:cNvPr id="20" name="CuadroTexto 19">
-            <a:extLst>
-              <a:ext uri="{FF2B5EF4-FFF2-40B4-BE49-F238E27FC236}">
-                <a16:creationId xmlns:a16="http://schemas.microsoft.com/office/drawing/2014/main" id="{D4816117-A922-4FD0-9928-217ABE6832D7}"/>
-              </a:ext>
-            </a:extLst>
-          </p:cNvPr>
-          <p:cNvSpPr txBox="1"/>
-          <p:nvPr/>
-        </p:nvSpPr>
-        <p:spPr>
-          <a:xfrm>
-            <a:off x="2935863" y="4917057"/>
-            <a:ext cx="3812876" cy="1169551"/>
-          </a:xfrm>
-          <a:prstGeom prst="rect">
-            <a:avLst/>
-          </a:prstGeom>
-          <a:noFill/>
-        </p:spPr>
-        <p:txBody>
-          <a:bodyPr wrap="square" rtlCol="0">
-            <a:spAutoFit/>
-          </a:bodyPr>
-          <a:lstStyle/>
-          <a:p>
-            <a:pPr marL="85725" indent="-85725">
-              <a:buFont typeface="Arial" panose="020B0604020202020204" pitchFamily="34" charset="0"/>
-              <a:buChar char="•"/>
-            </a:pPr>
-            <a:r>
-              <a:rPr lang="es-ES" sz="1400" dirty="0"/>
-              <a:t>Unir los puntos</a:t>
-            </a:r>
-          </a:p>
-          <a:p>
-            <a:pPr marL="85725" indent="-85725">
-              <a:buFont typeface="Arial" panose="020B0604020202020204" pitchFamily="34" charset="0"/>
-              <a:buChar char="•"/>
-            </a:pPr>
-            <a:r>
-              <a:rPr lang="es-ES" sz="1400" dirty="0"/>
-              <a:t>Desarrollar nuevas sinapsis entre conceptos</a:t>
-            </a:r>
-          </a:p>
-          <a:p>
-            <a:pPr marL="85725" indent="-85725">
-              <a:buFont typeface="Arial" panose="020B0604020202020204" pitchFamily="34" charset="0"/>
-              <a:buChar char="•"/>
-            </a:pPr>
-            <a:r>
-              <a:rPr lang="es-ES" sz="1400" dirty="0"/>
-              <a:t>Experimentar, practicar </a:t>
-            </a:r>
-          </a:p>
-          <a:p>
-            <a:pPr marL="85725" indent="-85725">
-              <a:buFont typeface="Arial" panose="020B0604020202020204" pitchFamily="34" charset="0"/>
-              <a:buChar char="•"/>
-            </a:pPr>
-            <a:r>
-              <a:rPr lang="es-ES" sz="1400" dirty="0"/>
-              <a:t>Aprender</a:t>
-            </a:r>
-          </a:p>
-          <a:p>
-            <a:pPr marL="85725" indent="-85725">
-              <a:buFont typeface="Arial" panose="020B0604020202020204" pitchFamily="34" charset="0"/>
-              <a:buChar char="•"/>
-            </a:pPr>
-            <a:r>
-              <a:rPr lang="es-ES" sz="1400" dirty="0"/>
-              <a:t>Apasionarnos</a:t>
-            </a:r>
-            <a:endParaRPr lang="es-MX" sz="1400" dirty="0"/>
-          </a:p>
-        </p:txBody>
-      </p:sp>
-      <p:sp>
-        <p:nvSpPr>
-          <p:cNvPr id="22" name="CuadroTexto 21">
-            <a:extLst>
-              <a:ext uri="{FF2B5EF4-FFF2-40B4-BE49-F238E27FC236}">
-                <a16:creationId xmlns:a16="http://schemas.microsoft.com/office/drawing/2014/main" id="{F2E6CF84-D732-44AD-A0D5-B27F0F1590BA}"/>
-              </a:ext>
-            </a:extLst>
-          </p:cNvPr>
-          <p:cNvSpPr txBox="1"/>
-          <p:nvPr/>
-        </p:nvSpPr>
-        <p:spPr>
-          <a:xfrm>
-            <a:off x="4934317" y="2051575"/>
-            <a:ext cx="2510279" cy="1600438"/>
-          </a:xfrm>
-          <a:prstGeom prst="rect">
-            <a:avLst/>
-          </a:prstGeom>
-          <a:noFill/>
-        </p:spPr>
-        <p:txBody>
-          <a:bodyPr wrap="square" rtlCol="0">
-            <a:spAutoFit/>
-          </a:bodyPr>
-          <a:lstStyle/>
-          <a:p>
-            <a:pPr marL="180975" indent="-180975">
-              <a:buFont typeface="Arial" panose="020B0604020202020204" pitchFamily="34" charset="0"/>
-              <a:buChar char="•"/>
-            </a:pPr>
-            <a:r>
-              <a:rPr lang="es-ES" sz="1400" dirty="0"/>
-              <a:t>Nuevos Lenguajes</a:t>
-            </a:r>
-          </a:p>
-          <a:p>
-            <a:pPr marL="180975" indent="-180975">
-              <a:buFont typeface="Arial" panose="020B0604020202020204" pitchFamily="34" charset="0"/>
-              <a:buChar char="•"/>
-            </a:pPr>
-            <a:r>
-              <a:rPr lang="es-ES" sz="1400" dirty="0"/>
-              <a:t>Bases de datos</a:t>
-            </a:r>
-          </a:p>
-          <a:p>
-            <a:pPr marL="180975" indent="-180975">
-              <a:buFont typeface="Arial" panose="020B0604020202020204" pitchFamily="34" charset="0"/>
-              <a:buChar char="•"/>
-            </a:pPr>
-            <a:r>
-              <a:rPr lang="es-ES" sz="1400" dirty="0"/>
-              <a:t>Gadgets </a:t>
-            </a:r>
-          </a:p>
-          <a:p>
-            <a:pPr marL="180975" indent="-180975">
-              <a:buFont typeface="Arial" panose="020B0604020202020204" pitchFamily="34" charset="0"/>
-              <a:buChar char="•"/>
-            </a:pPr>
-            <a:r>
-              <a:rPr lang="es-ES" sz="1400" dirty="0"/>
-              <a:t>IA</a:t>
-            </a:r>
-          </a:p>
-          <a:p>
-            <a:pPr marL="180975" indent="-180975">
-              <a:buFont typeface="Arial" panose="020B0604020202020204" pitchFamily="34" charset="0"/>
-              <a:buChar char="•"/>
-            </a:pPr>
-            <a:r>
-              <a:rPr lang="es-ES" sz="1400" dirty="0"/>
-              <a:t>AGILE</a:t>
-            </a:r>
-          </a:p>
-          <a:p>
-            <a:pPr marL="285750" indent="-285750">
-              <a:buFont typeface="Arial" panose="020B0604020202020204" pitchFamily="34" charset="0"/>
-              <a:buChar char="•"/>
-            </a:pPr>
-            <a:endParaRPr lang="es-ES" sz="1400" dirty="0"/>
-          </a:p>
-          <a:p>
-            <a:pPr marL="285750" indent="-285750">
-              <a:buFont typeface="Arial" panose="020B0604020202020204" pitchFamily="34" charset="0"/>
-              <a:buChar char="•"/>
-            </a:pPr>
-            <a:endParaRPr lang="es-MX" sz="1400" dirty="0"/>
-          </a:p>
-        </p:txBody>
-      </p:sp>
-      <p:sp>
-        <p:nvSpPr>
-          <p:cNvPr id="32" name="CuadroTexto 31">
-            <a:extLst>
-              <a:ext uri="{FF2B5EF4-FFF2-40B4-BE49-F238E27FC236}">
-                <a16:creationId xmlns:a16="http://schemas.microsoft.com/office/drawing/2014/main" id="{42B3ECE6-F29E-4856-A039-3D59BE38D4B9}"/>
-              </a:ext>
-            </a:extLst>
-          </p:cNvPr>
-          <p:cNvSpPr txBox="1"/>
-          <p:nvPr/>
-        </p:nvSpPr>
-        <p:spPr>
-          <a:xfrm>
-            <a:off x="1406838" y="2051575"/>
-            <a:ext cx="3812876" cy="1600438"/>
-          </a:xfrm>
-          <a:prstGeom prst="rect">
-            <a:avLst/>
-          </a:prstGeom>
-          <a:noFill/>
-        </p:spPr>
-        <p:txBody>
-          <a:bodyPr wrap="square" rtlCol="0">
-            <a:spAutoFit/>
-          </a:bodyPr>
-          <a:lstStyle/>
-          <a:p>
-            <a:pPr marL="180975" indent="-180975">
-              <a:buFont typeface="Arial" panose="020B0604020202020204" pitchFamily="34" charset="0"/>
-              <a:buChar char="•"/>
-            </a:pPr>
-            <a:r>
-              <a:rPr lang="es-ES" sz="1400" dirty="0"/>
-              <a:t>Teoría de Seguros</a:t>
-            </a:r>
-          </a:p>
-          <a:p>
-            <a:pPr marL="180975" indent="-180975">
-              <a:buFont typeface="Arial" panose="020B0604020202020204" pitchFamily="34" charset="0"/>
-              <a:buChar char="•"/>
-            </a:pPr>
-            <a:r>
-              <a:rPr lang="es-ES" sz="1400" dirty="0"/>
-              <a:t>Teoría de Riesgos</a:t>
-            </a:r>
-          </a:p>
-          <a:p>
-            <a:pPr marL="180975" indent="-180975">
-              <a:buFont typeface="Arial" panose="020B0604020202020204" pitchFamily="34" charset="0"/>
-              <a:buChar char="•"/>
-            </a:pPr>
-            <a:r>
-              <a:rPr lang="es-ES" sz="1400" dirty="0"/>
-              <a:t>Estadística</a:t>
-            </a:r>
-          </a:p>
-          <a:p>
-            <a:pPr marL="180975" indent="-180975">
-              <a:buFont typeface="Arial" panose="020B0604020202020204" pitchFamily="34" charset="0"/>
-              <a:buChar char="•"/>
-            </a:pPr>
-            <a:r>
-              <a:rPr lang="es-ES" sz="1400" dirty="0"/>
-              <a:t>Probabilidad</a:t>
-            </a:r>
-          </a:p>
-          <a:p>
-            <a:pPr marL="180975" indent="-180975">
-              <a:buFont typeface="Arial" panose="020B0604020202020204" pitchFamily="34" charset="0"/>
-              <a:buChar char="•"/>
-            </a:pPr>
-            <a:r>
-              <a:rPr lang="es-ES" sz="1400" dirty="0"/>
-              <a:t>Matemáticas financieras</a:t>
-            </a:r>
-          </a:p>
-          <a:p>
-            <a:pPr marL="285750" indent="-285750">
-              <a:buFont typeface="Arial" panose="020B0604020202020204" pitchFamily="34" charset="0"/>
-              <a:buChar char="•"/>
-            </a:pPr>
-            <a:endParaRPr lang="es-ES" sz="1400" dirty="0"/>
-          </a:p>
-          <a:p>
-            <a:pPr marL="285750" indent="-285750">
-              <a:buFont typeface="Arial" panose="020B0604020202020204" pitchFamily="34" charset="0"/>
-              <a:buChar char="•"/>
-            </a:pPr>
-            <a:endParaRPr lang="es-MX" sz="1400" dirty="0"/>
-          </a:p>
-        </p:txBody>
-      </p:sp>
-      <p:pic>
-        <p:nvPicPr>
-          <p:cNvPr id="17" name="Imagen 16">
-            <a:extLst>
-              <a:ext uri="{FF2B5EF4-FFF2-40B4-BE49-F238E27FC236}">
-                <a16:creationId xmlns:a16="http://schemas.microsoft.com/office/drawing/2014/main" id="{9FCDA9BE-CDA2-4342-8A2C-E93236441CD4}"/>
-              </a:ext>
-            </a:extLst>
-          </p:cNvPr>
-          <p:cNvPicPr/>
-          <p:nvPr/>
-        </p:nvPicPr>
-        <p:blipFill rotWithShape="1">
-          <a:blip r:embed="rId3">
-            <a:extLst>
-              <a:ext uri="{28A0092B-C50C-407E-A947-70E740481C1C}">
-                <a14:useLocalDpi xmlns:a14="http://schemas.microsoft.com/office/drawing/2010/main" val="0"/>
-              </a:ext>
-            </a:extLst>
-          </a:blip>
-          <a:srcRect l="-777" t="-1087" r="74224" b="-543"/>
-          <a:stretch/>
-        </p:blipFill>
-        <p:spPr bwMode="auto">
-          <a:xfrm>
-            <a:off x="11794401" y="6426278"/>
-            <a:ext cx="332509" cy="407389"/>
-          </a:xfrm>
-          <a:prstGeom prst="rect">
-            <a:avLst/>
-          </a:prstGeom>
-          <a:noFill/>
-          <a:ln>
-            <a:noFill/>
-          </a:ln>
-        </p:spPr>
-      </p:pic>
-    </p:spTree>
-    <p:extLst>
-      <p:ext uri="{BB962C8B-B14F-4D97-AF65-F5344CB8AC3E}">
-        <p14:creationId xmlns:p14="http://schemas.microsoft.com/office/powerpoint/2010/main" val="978533811"/>
-      </p:ext>
-    </p:extLst>
-  </p:cSld>
-  <p:clrMapOvr>
-    <a:masterClrMapping/>
-  </p:clrMapOvr>
-</p:sld>
-</file>
-
 <file path=ppt/slides/slide37.xml><?xml version="1.0" encoding="utf-8"?>
 <p:sld xmlns:a="http://schemas.openxmlformats.org/drawingml/2006/main" xmlns:r="http://schemas.openxmlformats.org/officeDocument/2006/relationships" xmlns:p="http://schemas.openxmlformats.org/presentationml/2006/main">
   <p:cSld>
@@ -30095,7 +31095,7 @@
         <p:spPr>
           <a:xfrm>
             <a:off x="803564" y="1925782"/>
-            <a:ext cx="10626436" cy="4524315"/>
+            <a:ext cx="10626436" cy="4247317"/>
           </a:xfrm>
           <a:prstGeom prst="rect">
             <a:avLst/>
@@ -30114,14 +31114,10 @@
             </a:pPr>
             <a:r>
               <a:rPr lang="es-ES" dirty="0"/>
-              <a:t>Los ejercicios están realizados para que corran en cualquier plataforma, no necesitas instalar R o R Studio, aunque es conveniente que los instales para que puedas seguir practicando</a:t>
-            </a:r>
-          </a:p>
-          <a:p>
-            <a:pPr marL="285750" indent="-285750">
-              <a:buFont typeface="Wingdings" panose="05000000000000000000" pitchFamily="2" charset="2"/>
-              <a:buChar char="v"/>
-            </a:pPr>
+              <a:t>Los ejercicios están realizados para que corran en R Studio, por lo que es necesario que instales este software </a:t>
+            </a:r>
+          </a:p>
+          <a:p>
             <a:endParaRPr lang="es-ES" dirty="0"/>
           </a:p>
           <a:p>
